--- a/Imam_presentation.pptx
+++ b/Imam_presentation.pptx
@@ -18,10 +18,10 @@
     <p:sldId id="264" r:id="rId12"/>
     <p:sldId id="267" r:id="rId13"/>
     <p:sldId id="268" r:id="rId14"/>
-    <p:sldId id="271" r:id="rId15"/>
+    <p:sldId id="273" r:id="rId15"/>
     <p:sldId id="269" r:id="rId16"/>
-    <p:sldId id="270" r:id="rId17"/>
-    <p:sldId id="272" r:id="rId18"/>
+    <p:sldId id="272" r:id="rId17"/>
+    <p:sldId id="274" r:id="rId18"/>
   </p:sldIdLst>
   <p:sldSz cx="9144000" cy="6858000" type="screen4x3"/>
   <p:notesSz cx="6858000" cy="9144000"/>
@@ -122,7 +122,7 @@
   </p:defaultTextStyle>
   <p:extLst>
     <p:ext uri="{EFAFB233-063F-42B5-8137-9DF3F51BA10A}">
-      <p15:sldGuideLst xmlns:p15="http://schemas.microsoft.com/office/powerpoint/2012/main" xmlns="">
+      <p15:sldGuideLst xmlns="" xmlns:p15="http://schemas.microsoft.com/office/powerpoint/2012/main">
         <p15:guide id="1" orient="horz" pos="2160">
           <p15:clr>
             <a:srgbClr val="A4A3A4"/>
@@ -446,7 +446,7 @@
           <a:p>
             <a:fld id="{F1946293-0B56-43E4-B6A3-D13AE42339F5}" type="datetimeFigureOut">
               <a:rPr lang="en-US" smtClean="0"/>
-              <a:t>12/10/2025</a:t>
+              <a:t>12/17/2025</a:t>
             </a:fld>
             <a:endParaRPr lang="en-US"/>
           </a:p>
@@ -614,7 +614,7 @@
           <a:p>
             <a:fld id="{F1946293-0B56-43E4-B6A3-D13AE42339F5}" type="datetimeFigureOut">
               <a:rPr lang="en-US" smtClean="0"/>
-              <a:t>12/10/2025</a:t>
+              <a:t>12/17/2025</a:t>
             </a:fld>
             <a:endParaRPr lang="en-US"/>
           </a:p>
@@ -792,7 +792,7 @@
           <a:p>
             <a:fld id="{F1946293-0B56-43E4-B6A3-D13AE42339F5}" type="datetimeFigureOut">
               <a:rPr lang="en-US" smtClean="0"/>
-              <a:t>12/10/2025</a:t>
+              <a:t>12/17/2025</a:t>
             </a:fld>
             <a:endParaRPr lang="en-US"/>
           </a:p>
@@ -960,7 +960,7 @@
           <a:p>
             <a:fld id="{F1946293-0B56-43E4-B6A3-D13AE42339F5}" type="datetimeFigureOut">
               <a:rPr lang="en-US" smtClean="0"/>
-              <a:t>12/10/2025</a:t>
+              <a:t>12/17/2025</a:t>
             </a:fld>
             <a:endParaRPr lang="en-US"/>
           </a:p>
@@ -1205,7 +1205,7 @@
           <a:p>
             <a:fld id="{F1946293-0B56-43E4-B6A3-D13AE42339F5}" type="datetimeFigureOut">
               <a:rPr lang="en-US" smtClean="0"/>
-              <a:t>12/10/2025</a:t>
+              <a:t>12/17/2025</a:t>
             </a:fld>
             <a:endParaRPr lang="en-US"/>
           </a:p>
@@ -1490,7 +1490,7 @@
           <a:p>
             <a:fld id="{F1946293-0B56-43E4-B6A3-D13AE42339F5}" type="datetimeFigureOut">
               <a:rPr lang="en-US" smtClean="0"/>
-              <a:t>12/10/2025</a:t>
+              <a:t>12/17/2025</a:t>
             </a:fld>
             <a:endParaRPr lang="en-US"/>
           </a:p>
@@ -1909,7 +1909,7 @@
           <a:p>
             <a:fld id="{F1946293-0B56-43E4-B6A3-D13AE42339F5}" type="datetimeFigureOut">
               <a:rPr lang="en-US" smtClean="0"/>
-              <a:t>12/10/2025</a:t>
+              <a:t>12/17/2025</a:t>
             </a:fld>
             <a:endParaRPr lang="en-US"/>
           </a:p>
@@ -2026,7 +2026,7 @@
           <a:p>
             <a:fld id="{F1946293-0B56-43E4-B6A3-D13AE42339F5}" type="datetimeFigureOut">
               <a:rPr lang="en-US" smtClean="0"/>
-              <a:t>12/10/2025</a:t>
+              <a:t>12/17/2025</a:t>
             </a:fld>
             <a:endParaRPr lang="en-US"/>
           </a:p>
@@ -2121,7 +2121,7 @@
           <a:p>
             <a:fld id="{F1946293-0B56-43E4-B6A3-D13AE42339F5}" type="datetimeFigureOut">
               <a:rPr lang="en-US" smtClean="0"/>
-              <a:t>12/10/2025</a:t>
+              <a:t>12/17/2025</a:t>
             </a:fld>
             <a:endParaRPr lang="en-US"/>
           </a:p>
@@ -2396,7 +2396,7 @@
           <a:p>
             <a:fld id="{F1946293-0B56-43E4-B6A3-D13AE42339F5}" type="datetimeFigureOut">
               <a:rPr lang="en-US" smtClean="0"/>
-              <a:t>12/10/2025</a:t>
+              <a:t>12/17/2025</a:t>
             </a:fld>
             <a:endParaRPr lang="en-US"/>
           </a:p>
@@ -2648,7 +2648,7 @@
           <a:p>
             <a:fld id="{F1946293-0B56-43E4-B6A3-D13AE42339F5}" type="datetimeFigureOut">
               <a:rPr lang="en-US" smtClean="0"/>
-              <a:t>12/10/2025</a:t>
+              <a:t>12/17/2025</a:t>
             </a:fld>
             <a:endParaRPr lang="en-US"/>
           </a:p>
@@ -2859,7 +2859,7 @@
           <a:p>
             <a:fld id="{F1946293-0B56-43E4-B6A3-D13AE42339F5}" type="datetimeFigureOut">
               <a:rPr lang="en-US" smtClean="0"/>
-              <a:t>12/10/2025</a:t>
+              <a:t>12/17/2025</a:t>
             </a:fld>
             <a:endParaRPr lang="en-US"/>
           </a:p>
@@ -3843,42 +3843,42 @@
                 <a:gridCol w="1754505">
                   <a:extLst>
                     <a:ext uri="{9D8B030D-6E8A-4147-A177-3AD203B41FA5}">
-                      <a16:colId xmlns:a16="http://schemas.microsoft.com/office/drawing/2014/main" xmlns="" val="20000"/>
+                      <a16:colId xmlns="" xmlns:a16="http://schemas.microsoft.com/office/drawing/2014/main" val="20000"/>
                     </a:ext>
                   </a:extLst>
                 </a:gridCol>
                 <a:gridCol w="1206500">
                   <a:extLst>
                     <a:ext uri="{9D8B030D-6E8A-4147-A177-3AD203B41FA5}">
-                      <a16:colId xmlns:a16="http://schemas.microsoft.com/office/drawing/2014/main" xmlns="" val="20001"/>
+                      <a16:colId xmlns="" xmlns:a16="http://schemas.microsoft.com/office/drawing/2014/main" val="20001"/>
                     </a:ext>
                   </a:extLst>
                 </a:gridCol>
                 <a:gridCol w="1206500">
                   <a:extLst>
                     <a:ext uri="{9D8B030D-6E8A-4147-A177-3AD203B41FA5}">
-                      <a16:colId xmlns:a16="http://schemas.microsoft.com/office/drawing/2014/main" xmlns="" val="20002"/>
+                      <a16:colId xmlns="" xmlns:a16="http://schemas.microsoft.com/office/drawing/2014/main" val="20002"/>
                     </a:ext>
                   </a:extLst>
                 </a:gridCol>
                 <a:gridCol w="1206500">
                   <a:extLst>
                     <a:ext uri="{9D8B030D-6E8A-4147-A177-3AD203B41FA5}">
-                      <a16:colId xmlns:a16="http://schemas.microsoft.com/office/drawing/2014/main" xmlns="" val="20003"/>
+                      <a16:colId xmlns="" xmlns:a16="http://schemas.microsoft.com/office/drawing/2014/main" val="20003"/>
                     </a:ext>
                   </a:extLst>
                 </a:gridCol>
                 <a:gridCol w="1206500">
                   <a:extLst>
                     <a:ext uri="{9D8B030D-6E8A-4147-A177-3AD203B41FA5}">
-                      <a16:colId xmlns:a16="http://schemas.microsoft.com/office/drawing/2014/main" xmlns="" val="20004"/>
+                      <a16:colId xmlns="" xmlns:a16="http://schemas.microsoft.com/office/drawing/2014/main" val="20004"/>
                     </a:ext>
                   </a:extLst>
                 </a:gridCol>
                 <a:gridCol w="1206500">
                   <a:extLst>
                     <a:ext uri="{9D8B030D-6E8A-4147-A177-3AD203B41FA5}">
-                      <a16:colId xmlns:a16="http://schemas.microsoft.com/office/drawing/2014/main" xmlns="" val="20005"/>
+                      <a16:colId xmlns="" xmlns:a16="http://schemas.microsoft.com/office/drawing/2014/main" val="20005"/>
                     </a:ext>
                   </a:extLst>
                 </a:gridCol>
@@ -4073,7 +4073,7 @@
                 </a:tc>
                 <a:extLst>
                   <a:ext uri="{0D108BD9-81ED-4DB2-BD59-A6C34878D82A}">
-                    <a16:rowId xmlns:a16="http://schemas.microsoft.com/office/drawing/2014/main" xmlns="" val="10000"/>
+                    <a16:rowId xmlns="" xmlns:a16="http://schemas.microsoft.com/office/drawing/2014/main" val="10000"/>
                   </a:ext>
                 </a:extLst>
               </a:tr>
@@ -4233,7 +4233,7 @@
                 </a:tc>
                 <a:extLst>
                   <a:ext uri="{0D108BD9-81ED-4DB2-BD59-A6C34878D82A}">
-                    <a16:rowId xmlns:a16="http://schemas.microsoft.com/office/drawing/2014/main" xmlns="" val="10001"/>
+                    <a16:rowId xmlns="" xmlns:a16="http://schemas.microsoft.com/office/drawing/2014/main" val="10001"/>
                   </a:ext>
                 </a:extLst>
               </a:tr>
@@ -4324,7 +4324,7 @@
                 </a:tc>
                 <a:extLst>
                   <a:ext uri="{0D108BD9-81ED-4DB2-BD59-A6C34878D82A}">
-                    <a16:rowId xmlns:a16="http://schemas.microsoft.com/office/drawing/2014/main" xmlns="" val="10002"/>
+                    <a16:rowId xmlns="" xmlns:a16="http://schemas.microsoft.com/office/drawing/2014/main" val="10002"/>
                   </a:ext>
                 </a:extLst>
               </a:tr>
@@ -4332,6 +4332,44 @@
           </a:graphicData>
         </a:graphic>
       </p:graphicFrame>
+      <p:sp>
+        <p:nvSpPr>
+          <p:cNvPr id="4" name="TextBox 3"/>
+          <p:cNvSpPr txBox="1"/>
+          <p:nvPr/>
+        </p:nvSpPr>
+        <p:spPr>
+          <a:xfrm>
+            <a:off x="1066800" y="4953000"/>
+            <a:ext cx="5638800" cy="369332"/>
+          </a:xfrm>
+          <a:prstGeom prst="rect">
+            <a:avLst/>
+          </a:prstGeom>
+          <a:noFill/>
+        </p:spPr>
+        <p:txBody>
+          <a:bodyPr wrap="square" rtlCol="0">
+            <a:spAutoFit/>
+          </a:bodyPr>
+          <a:lstStyle/>
+          <a:p>
+            <a:pPr marL="285750" indent="-285750">
+              <a:buFont typeface="Arial" pitchFamily="34" charset="0"/>
+              <a:buChar char="•"/>
+            </a:pPr>
+            <a:r>
+              <a:rPr lang="en-US" dirty="0" smtClean="0">
+                <a:latin typeface="Tw Cen MT Condensed" pitchFamily="34" charset="0"/>
+              </a:rPr>
+              <a:t>The sourced dataset resembles the prior published result</a:t>
+            </a:r>
+            <a:endParaRPr lang="en-US" dirty="0">
+              <a:latin typeface="Tw Cen MT Condensed" pitchFamily="34" charset="0"/>
+            </a:endParaRPr>
+          </a:p>
+        </p:txBody>
+      </p:sp>
     </p:spTree>
     <p:extLst>
       <p:ext uri="{BB962C8B-B14F-4D97-AF65-F5344CB8AC3E}">
@@ -4404,7 +4442,7 @@
           <p:cNvPr id="3" name="Table 2">
             <a:extLst>
               <a:ext uri="{FF2B5EF4-FFF2-40B4-BE49-F238E27FC236}">
-                <a16:creationId xmlns:a16="http://schemas.microsoft.com/office/drawing/2014/main" xmlns="" id="{58AC8864-17E4-56E3-19BB-2E909D05D6D1}"/>
+                <a16:creationId xmlns="" xmlns:a16="http://schemas.microsoft.com/office/drawing/2014/main" id="{58AC8864-17E4-56E3-19BB-2E909D05D6D1}"/>
               </a:ext>
             </a:extLst>
           </p:cNvPr>
@@ -4414,7 +4452,7 @@
           <p:nvPr>
             <p:extLst>
               <p:ext uri="{D42A27DB-BD31-4B8C-83A1-F6EECF244321}">
-                <p14:modId xmlns:p14="http://schemas.microsoft.com/office/powerpoint/2010/main" val="2028846243"/>
+                <p14:modId xmlns:p14="http://schemas.microsoft.com/office/powerpoint/2010/main" val="3657844788"/>
               </p:ext>
             </p:extLst>
           </p:nvPr>
@@ -4433,42 +4471,42 @@
                 <a:gridCol w="1754505">
                   <a:extLst>
                     <a:ext uri="{9D8B030D-6E8A-4147-A177-3AD203B41FA5}">
-                      <a16:colId xmlns:a16="http://schemas.microsoft.com/office/drawing/2014/main" xmlns="" val="20000"/>
+                      <a16:colId xmlns="" xmlns:a16="http://schemas.microsoft.com/office/drawing/2014/main" val="20000"/>
                     </a:ext>
                   </a:extLst>
                 </a:gridCol>
                 <a:gridCol w="1206500">
                   <a:extLst>
                     <a:ext uri="{9D8B030D-6E8A-4147-A177-3AD203B41FA5}">
-                      <a16:colId xmlns:a16="http://schemas.microsoft.com/office/drawing/2014/main" xmlns="" val="20001"/>
+                      <a16:colId xmlns="" xmlns:a16="http://schemas.microsoft.com/office/drawing/2014/main" val="20001"/>
                     </a:ext>
                   </a:extLst>
                 </a:gridCol>
                 <a:gridCol w="1206500">
                   <a:extLst>
                     <a:ext uri="{9D8B030D-6E8A-4147-A177-3AD203B41FA5}">
-                      <a16:colId xmlns:a16="http://schemas.microsoft.com/office/drawing/2014/main" xmlns="" val="20002"/>
+                      <a16:colId xmlns="" xmlns:a16="http://schemas.microsoft.com/office/drawing/2014/main" val="20002"/>
                     </a:ext>
                   </a:extLst>
                 </a:gridCol>
                 <a:gridCol w="1206500">
                   <a:extLst>
                     <a:ext uri="{9D8B030D-6E8A-4147-A177-3AD203B41FA5}">
-                      <a16:colId xmlns:a16="http://schemas.microsoft.com/office/drawing/2014/main" xmlns="" val="20003"/>
+                      <a16:colId xmlns="" xmlns:a16="http://schemas.microsoft.com/office/drawing/2014/main" val="20003"/>
                     </a:ext>
                   </a:extLst>
                 </a:gridCol>
                 <a:gridCol w="1206500">
                   <a:extLst>
                     <a:ext uri="{9D8B030D-6E8A-4147-A177-3AD203B41FA5}">
-                      <a16:colId xmlns:a16="http://schemas.microsoft.com/office/drawing/2014/main" xmlns="" val="20004"/>
+                      <a16:colId xmlns="" xmlns:a16="http://schemas.microsoft.com/office/drawing/2014/main" val="20004"/>
                     </a:ext>
                   </a:extLst>
                 </a:gridCol>
                 <a:gridCol w="1206500">
                   <a:extLst>
                     <a:ext uri="{9D8B030D-6E8A-4147-A177-3AD203B41FA5}">
-                      <a16:colId xmlns:a16="http://schemas.microsoft.com/office/drawing/2014/main" xmlns="" val="20005"/>
+                      <a16:colId xmlns="" xmlns:a16="http://schemas.microsoft.com/office/drawing/2014/main" val="20005"/>
                     </a:ext>
                   </a:extLst>
                 </a:gridCol>
@@ -4663,7 +4701,7 @@
                 </a:tc>
                 <a:extLst>
                   <a:ext uri="{0D108BD9-81ED-4DB2-BD59-A6C34878D82A}">
-                    <a16:rowId xmlns:a16="http://schemas.microsoft.com/office/drawing/2014/main" xmlns="" val="10000"/>
+                    <a16:rowId xmlns="" xmlns:a16="http://schemas.microsoft.com/office/drawing/2014/main" val="10000"/>
                   </a:ext>
                 </a:extLst>
               </a:tr>
@@ -4711,7 +4749,7 @@
                     <a:p>
                       <a:pPr algn="ctr"/>
                       <a:r>
-                        <a:rPr lang="en-US" sz="1800" b="0" i="0" u="none" strike="noStrike" kern="1200" baseline="0" dirty="0">
+                        <a:rPr lang="en-US" sz="1800" b="0" i="0" u="none" strike="noStrike" kern="1200" baseline="0" dirty="0" smtClean="0">
                           <a:solidFill>
                             <a:schemeClr val="tx1"/>
                           </a:solidFill>
@@ -4719,7 +4757,7 @@
                           <a:ea typeface="+mn-ea"/>
                           <a:cs typeface="+mn-cs"/>
                         </a:rPr>
-                        <a:t>80 </a:t>
+                        <a:t>78.533</a:t>
                       </a:r>
                       <a:endParaRPr lang="en-US" dirty="0"/>
                     </a:p>
@@ -4733,7 +4771,7 @@
                     <a:p>
                       <a:pPr algn="ctr"/>
                       <a:r>
-                        <a:rPr lang="en-US" sz="1800" b="0" i="0" u="none" strike="noStrike" kern="1200" baseline="0" dirty="0">
+                        <a:rPr lang="en-US" sz="1800" b="0" i="0" u="none" strike="noStrike" kern="1200" baseline="0" dirty="0" smtClean="0">
                           <a:solidFill>
                             <a:schemeClr val="tx1"/>
                           </a:solidFill>
@@ -4741,7 +4779,7 @@
                           <a:ea typeface="+mn-ea"/>
                           <a:cs typeface="+mn-cs"/>
                         </a:rPr>
-                        <a:t>16.2729</a:t>
+                        <a:t>15.60</a:t>
                       </a:r>
                       <a:endParaRPr lang="en-US" dirty="0"/>
                     </a:p>
@@ -4771,7 +4809,7 @@
                         <a:defRPr/>
                       </a:pPr>
                       <a:r>
-                        <a:rPr lang="en-US" sz="1800" b="0" i="0" u="none" strike="noStrike" kern="1200" baseline="0" dirty="0">
+                        <a:rPr lang="en-US" sz="1800" b="0" i="0" u="none" strike="noStrike" kern="1200" baseline="0" dirty="0" smtClean="0">
                           <a:solidFill>
                             <a:schemeClr val="tx1"/>
                           </a:solidFill>
@@ -4779,7 +4817,7 @@
                           <a:ea typeface="+mn-ea"/>
                           <a:cs typeface="+mn-cs"/>
                         </a:rPr>
-                        <a:t>2.28</a:t>
+                        <a:t>2.159</a:t>
                       </a:r>
                       <a:endParaRPr lang="en-US" dirty="0"/>
                     </a:p>
@@ -4797,7 +4835,7 @@
                     <a:p>
                       <a:pPr algn="ctr"/>
                       <a:r>
-                        <a:rPr lang="en-US" sz="1800" b="0" i="0" u="none" strike="noStrike" kern="1200" baseline="0" dirty="0">
+                        <a:rPr lang="en-US" sz="1800" b="0" i="0" u="none" strike="noStrike" kern="1200" baseline="0" dirty="0" smtClean="0">
                           <a:solidFill>
                             <a:schemeClr val="tx1"/>
                           </a:solidFill>
@@ -4805,7 +4843,7 @@
                           <a:ea typeface="+mn-ea"/>
                           <a:cs typeface="+mn-cs"/>
                         </a:rPr>
-                        <a:t>4.38</a:t>
+                        <a:t>3.912</a:t>
                       </a:r>
                       <a:endParaRPr lang="en-US" dirty="0"/>
                     </a:p>
@@ -4814,7 +4852,7 @@
                 </a:tc>
                 <a:extLst>
                   <a:ext uri="{0D108BD9-81ED-4DB2-BD59-A6C34878D82A}">
-                    <a16:rowId xmlns:a16="http://schemas.microsoft.com/office/drawing/2014/main" xmlns="" val="10001"/>
+                    <a16:rowId xmlns="" xmlns:a16="http://schemas.microsoft.com/office/drawing/2014/main" val="10001"/>
                   </a:ext>
                 </a:extLst>
               </a:tr>
@@ -4905,7 +4943,7 @@
                 </a:tc>
                 <a:extLst>
                   <a:ext uri="{0D108BD9-81ED-4DB2-BD59-A6C34878D82A}">
-                    <a16:rowId xmlns:a16="http://schemas.microsoft.com/office/drawing/2014/main" xmlns="" val="10002"/>
+                    <a16:rowId xmlns="" xmlns:a16="http://schemas.microsoft.com/office/drawing/2014/main" val="10002"/>
                   </a:ext>
                 </a:extLst>
               </a:tr>
@@ -4913,6 +4951,56 @@
           </a:graphicData>
         </a:graphic>
       </p:graphicFrame>
+      <p:sp>
+        <p:nvSpPr>
+          <p:cNvPr id="4" name="TextBox 3"/>
+          <p:cNvSpPr txBox="1"/>
+          <p:nvPr/>
+        </p:nvSpPr>
+        <p:spPr>
+          <a:xfrm>
+            <a:off x="838200" y="5029200"/>
+            <a:ext cx="5638800" cy="646331"/>
+          </a:xfrm>
+          <a:prstGeom prst="rect">
+            <a:avLst/>
+          </a:prstGeom>
+          <a:noFill/>
+        </p:spPr>
+        <p:txBody>
+          <a:bodyPr wrap="square" rtlCol="0">
+            <a:spAutoFit/>
+          </a:bodyPr>
+          <a:lstStyle/>
+          <a:p>
+            <a:pPr marL="285750" indent="-285750">
+              <a:buFont typeface="Arial" pitchFamily="34" charset="0"/>
+              <a:buChar char="•"/>
+            </a:pPr>
+            <a:r>
+              <a:rPr lang="en-US" dirty="0" smtClean="0">
+                <a:latin typeface="Tw Cen MT Condensed" pitchFamily="34" charset="0"/>
+              </a:rPr>
+              <a:t>The occupancy sampling resembles the  actual distribution of data</a:t>
+            </a:r>
+          </a:p>
+          <a:p>
+            <a:pPr marL="285750" indent="-285750">
+              <a:buFont typeface="Arial" pitchFamily="34" charset="0"/>
+              <a:buChar char="•"/>
+            </a:pPr>
+            <a:r>
+              <a:rPr lang="en-US" dirty="0" smtClean="0">
+                <a:latin typeface="Tw Cen MT Condensed" pitchFamily="34" charset="0"/>
+              </a:rPr>
+              <a:t>Bootstrapping from real data resulted in this accuracy</a:t>
+            </a:r>
+            <a:endParaRPr lang="en-US" dirty="0">
+              <a:latin typeface="Tw Cen MT Condensed" pitchFamily="34" charset="0"/>
+            </a:endParaRPr>
+          </a:p>
+        </p:txBody>
+      </p:sp>
     </p:spTree>
     <p:extLst>
       <p:ext uri="{BB962C8B-B14F-4D97-AF65-F5344CB8AC3E}">
@@ -4969,1555 +5057,612 @@
               <a:rPr lang="en-US" sz="2400" dirty="0" smtClean="0">
                 <a:latin typeface="Tw Cen MT Condensed" pitchFamily="34" charset="0"/>
               </a:rPr>
-              <a:t>V2- CO2 Simulation</a:t>
-            </a:r>
-            <a:endParaRPr lang="en-US" sz="2400" dirty="0">
-              <a:latin typeface="Tw Cen MT Condensed" pitchFamily="34" charset="0"/>
-            </a:endParaRPr>
+              <a:t>V1-Occupancy </a:t>
+            </a:r>
+            <a:r>
+              <a:rPr lang="en-US" sz="2400" dirty="0">
+                <a:latin typeface="Tw Cen MT Condensed" pitchFamily="34" charset="0"/>
+              </a:rPr>
+              <a:t>Sampling (10 MC run)</a:t>
+            </a:r>
           </a:p>
         </p:txBody>
       </p:sp>
       <p:graphicFrame>
         <p:nvGraphicFramePr>
-          <p:cNvPr id="5" name="Table 4"/>
+          <p:cNvPr id="3" name="Table 2">
+            <a:extLst>
+              <a:ext uri="{FF2B5EF4-FFF2-40B4-BE49-F238E27FC236}">
+                <a16:creationId xmlns="" xmlns:a16="http://schemas.microsoft.com/office/drawing/2014/main" id="{58AC8864-17E4-56E3-19BB-2E909D05D6D1}"/>
+              </a:ext>
+            </a:extLst>
+          </p:cNvPr>
           <p:cNvGraphicFramePr>
             <a:graphicFrameLocks noGrp="1"/>
           </p:cNvGraphicFramePr>
           <p:nvPr>
             <p:extLst>
               <p:ext uri="{D42A27DB-BD31-4B8C-83A1-F6EECF244321}">
-                <p14:modId xmlns:p14="http://schemas.microsoft.com/office/powerpoint/2010/main" val="4136894931"/>
+                <p14:modId xmlns:p14="http://schemas.microsoft.com/office/powerpoint/2010/main" val="2192425022"/>
               </p:ext>
             </p:extLst>
           </p:nvPr>
         </p:nvGraphicFramePr>
         <p:xfrm>
-          <a:off x="838200" y="1905002"/>
-          <a:ext cx="6934200" cy="3428997"/>
+          <a:off x="914400" y="1866900"/>
+          <a:ext cx="7787005" cy="3124200"/>
         </p:xfrm>
         <a:graphic>
           <a:graphicData uri="http://schemas.openxmlformats.org/drawingml/2006/table">
             <a:tbl>
-              <a:tblPr/>
+              <a:tblPr firstRow="1" bandRow="1">
+                <a:tableStyleId>{5940675A-B579-460E-94D1-54222C63F5DA}</a:tableStyleId>
+              </a:tblPr>
               <a:tblGrid>
-                <a:gridCol w="911894"/>
-                <a:gridCol w="1880783"/>
-                <a:gridCol w="2089759"/>
-                <a:gridCol w="2051764"/>
+                <a:gridCol w="1754505">
+                  <a:extLst>
+                    <a:ext uri="{9D8B030D-6E8A-4147-A177-3AD203B41FA5}">
+                      <a16:colId xmlns="" xmlns:a16="http://schemas.microsoft.com/office/drawing/2014/main" val="20000"/>
+                    </a:ext>
+                  </a:extLst>
+                </a:gridCol>
+                <a:gridCol w="1206500">
+                  <a:extLst>
+                    <a:ext uri="{9D8B030D-6E8A-4147-A177-3AD203B41FA5}">
+                      <a16:colId xmlns="" xmlns:a16="http://schemas.microsoft.com/office/drawing/2014/main" val="20001"/>
+                    </a:ext>
+                  </a:extLst>
+                </a:gridCol>
+                <a:gridCol w="1206500">
+                  <a:extLst>
+                    <a:ext uri="{9D8B030D-6E8A-4147-A177-3AD203B41FA5}">
+                      <a16:colId xmlns="" xmlns:a16="http://schemas.microsoft.com/office/drawing/2014/main" val="20002"/>
+                    </a:ext>
+                  </a:extLst>
+                </a:gridCol>
+                <a:gridCol w="1206500">
+                  <a:extLst>
+                    <a:ext uri="{9D8B030D-6E8A-4147-A177-3AD203B41FA5}">
+                      <a16:colId xmlns="" xmlns:a16="http://schemas.microsoft.com/office/drawing/2014/main" val="20003"/>
+                    </a:ext>
+                  </a:extLst>
+                </a:gridCol>
+                <a:gridCol w="1206500">
+                  <a:extLst>
+                    <a:ext uri="{9D8B030D-6E8A-4147-A177-3AD203B41FA5}">
+                      <a16:colId xmlns="" xmlns:a16="http://schemas.microsoft.com/office/drawing/2014/main" val="20004"/>
+                    </a:ext>
+                  </a:extLst>
+                </a:gridCol>
+                <a:gridCol w="1206500">
+                  <a:extLst>
+                    <a:ext uri="{9D8B030D-6E8A-4147-A177-3AD203B41FA5}">
+                      <a16:colId xmlns="" xmlns:a16="http://schemas.microsoft.com/office/drawing/2014/main" val="20005"/>
+                    </a:ext>
+                  </a:extLst>
+                </a:gridCol>
               </a:tblGrid>
-              <a:tr h="311727">
+              <a:tr h="1666240">
                 <a:tc>
                   <a:txBody>
                     <a:bodyPr/>
                     <a:lstStyle/>
                     <a:p>
-                      <a:pPr algn="l" fontAlgn="b"/>
+                      <a:pPr algn="ctr"/>
                       <a:r>
-                        <a:rPr lang="en-US" sz="1100" b="0" i="0" u="none" strike="noStrike" dirty="0">
-                          <a:solidFill>
-                            <a:srgbClr val="000000"/>
-                          </a:solidFill>
-                          <a:effectLst/>
-                          <a:latin typeface="Calibri"/>
-                        </a:rPr>
-                        <a:t>room</a:t>
+                        <a:rPr lang="en-US" dirty="0"/>
+                        <a:t>Room1</a:t>
+                      </a:r>
+                      <a:r>
+                        <a:rPr lang="en-US" baseline="0" dirty="0"/>
+                        <a:t> </a:t>
+                      </a:r>
+                      <a:r>
+                        <a:rPr lang="en-US" baseline="0" dirty="0" smtClean="0"/>
+                        <a:t>CO2</a:t>
                       </a:r>
                     </a:p>
+                    <a:p>
+                      <a:pPr algn="ctr"/>
+                      <a:r>
+                        <a:rPr lang="en-US" baseline="0" dirty="0" smtClean="0"/>
+                        <a:t>Concentration</a:t>
+                      </a:r>
+                      <a:endParaRPr lang="en-US" dirty="0"/>
+                    </a:p>
                   </a:txBody>
-                  <a:tcPr marL="9525" marR="9525" marT="9525" marB="0" anchor="b">
-                    <a:lnL>
-                      <a:noFill/>
-                    </a:lnL>
-                    <a:lnR>
-                      <a:noFill/>
-                    </a:lnR>
-                    <a:lnT>
-                      <a:noFill/>
-                    </a:lnT>
-                    <a:lnB>
-                      <a:noFill/>
-                    </a:lnB>
-                  </a:tcPr>
+                  <a:tcPr/>
                 </a:tc>
                 <a:tc>
                   <a:txBody>
                     <a:bodyPr/>
                     <a:lstStyle/>
                     <a:p>
-                      <a:pPr algn="l" fontAlgn="b"/>
+                      <a:pPr algn="ctr"/>
                       <a:r>
-                        <a:rPr lang="en-US" sz="1100" b="0" i="0" u="none" strike="noStrike" dirty="0" smtClean="0">
+                        <a:rPr lang="en-US" sz="1800" b="1" i="0" u="none" strike="noStrike" kern="1200" baseline="0" dirty="0">
                           <a:solidFill>
-                            <a:srgbClr val="000000"/>
+                            <a:schemeClr val="tx1"/>
                           </a:solidFill>
-                          <a:effectLst/>
-                          <a:latin typeface="Calibri"/>
+                          <a:latin typeface="+mn-lt"/>
+                          <a:ea typeface="+mn-ea"/>
+                          <a:cs typeface="+mn-cs"/>
                         </a:rPr>
-                        <a:t>                              CO2_sim_mean</a:t>
+                        <a:t>Min value</a:t>
                       </a:r>
-                      <a:endParaRPr lang="en-US" sz="1100" b="0" i="0" u="none" strike="noStrike" dirty="0">
-                        <a:solidFill>
-                          <a:srgbClr val="000000"/>
-                        </a:solidFill>
-                        <a:effectLst/>
-                        <a:latin typeface="Calibri"/>
-                      </a:endParaRPr>
+                      <a:endParaRPr lang="en-US" dirty="0"/>
                     </a:p>
                   </a:txBody>
-                  <a:tcPr marL="9525" marR="9525" marT="9525" marB="0" anchor="b">
-                    <a:lnL>
-                      <a:noFill/>
-                    </a:lnL>
-                    <a:lnR>
-                      <a:noFill/>
-                    </a:lnR>
-                    <a:lnT>
-                      <a:noFill/>
-                    </a:lnT>
-                    <a:lnB>
-                      <a:noFill/>
-                    </a:lnB>
-                  </a:tcPr>
+                  <a:tcPr/>
                 </a:tc>
                 <a:tc>
                   <a:txBody>
                     <a:bodyPr/>
                     <a:lstStyle/>
                     <a:p>
-                      <a:pPr algn="l" fontAlgn="b"/>
+                      <a:pPr marL="0" marR="0" indent="0" algn="ctr" defTabSz="914400" rtl="0" eaLnBrk="1" fontAlgn="auto" latinLnBrk="0" hangingPunct="1">
+                        <a:lnSpc>
+                          <a:spcPct val="100000"/>
+                        </a:lnSpc>
+                        <a:spcBef>
+                          <a:spcPts val="0"/>
+                        </a:spcBef>
+                        <a:spcAft>
+                          <a:spcPts val="0"/>
+                        </a:spcAft>
+                        <a:buClrTx/>
+                        <a:buSzTx/>
+                        <a:buFontTx/>
+                        <a:buNone/>
+                        <a:tabLst/>
+                        <a:defRPr/>
+                      </a:pPr>
                       <a:r>
-                        <a:rPr lang="en-US" sz="1100" b="0" i="0" u="none" strike="noStrike" dirty="0" smtClean="0">
+                        <a:rPr lang="en-US" sz="1800" b="1" i="0" u="none" strike="noStrike" kern="1200" baseline="0" dirty="0">
                           <a:solidFill>
-                            <a:srgbClr val="000000"/>
+                            <a:schemeClr val="tx1"/>
                           </a:solidFill>
-                          <a:effectLst/>
-                          <a:latin typeface="Calibri"/>
+                          <a:latin typeface="+mn-lt"/>
+                          <a:ea typeface="+mn-ea"/>
+                          <a:cs typeface="+mn-cs"/>
                         </a:rPr>
-                        <a:t>                                CO2_meas_mean</a:t>
+                        <a:t>Max value</a:t>
                       </a:r>
-                      <a:endParaRPr lang="en-US" sz="1100" b="0" i="0" u="none" strike="noStrike" dirty="0">
-                        <a:solidFill>
-                          <a:srgbClr val="000000"/>
-                        </a:solidFill>
-                        <a:effectLst/>
-                        <a:latin typeface="Calibri"/>
-                      </a:endParaRPr>
+                    </a:p>
+                    <a:p>
+                      <a:pPr algn="ctr"/>
+                      <a:endParaRPr lang="en-US" dirty="0"/>
                     </a:p>
                   </a:txBody>
-                  <a:tcPr marL="9525" marR="9525" marT="9525" marB="0" anchor="b">
-                    <a:lnL>
-                      <a:noFill/>
-                    </a:lnL>
-                    <a:lnR>
-                      <a:noFill/>
-                    </a:lnR>
-                    <a:lnT>
-                      <a:noFill/>
-                    </a:lnT>
-                    <a:lnB>
-                      <a:noFill/>
-                    </a:lnB>
-                  </a:tcPr>
+                  <a:tcPr/>
                 </a:tc>
                 <a:tc>
                   <a:txBody>
                     <a:bodyPr/>
                     <a:lstStyle/>
                     <a:p>
-                      <a:pPr algn="l" fontAlgn="b"/>
+                      <a:pPr marL="0" marR="0" indent="0" algn="ctr" defTabSz="914400" rtl="0" eaLnBrk="1" fontAlgn="auto" latinLnBrk="0" hangingPunct="1">
+                        <a:lnSpc>
+                          <a:spcPct val="100000"/>
+                        </a:lnSpc>
+                        <a:spcBef>
+                          <a:spcPts val="0"/>
+                        </a:spcBef>
+                        <a:spcAft>
+                          <a:spcPts val="0"/>
+                        </a:spcAft>
+                        <a:buClrTx/>
+                        <a:buSzTx/>
+                        <a:buFontTx/>
+                        <a:buNone/>
+                        <a:tabLst/>
+                        <a:defRPr/>
+                      </a:pPr>
                       <a:r>
-                        <a:rPr lang="en-US" sz="1100" b="0" i="0" u="none" strike="noStrike" dirty="0" smtClean="0">
+                        <a:rPr lang="en-US" sz="1800" b="1" i="0" u="none" strike="noStrike" kern="1200" baseline="0" dirty="0">
                           <a:solidFill>
-                            <a:srgbClr val="000000"/>
+                            <a:schemeClr val="tx1"/>
                           </a:solidFill>
-                          <a:effectLst/>
-                          <a:latin typeface="Calibri"/>
+                          <a:latin typeface="+mn-lt"/>
+                          <a:ea typeface="+mn-ea"/>
+                          <a:cs typeface="+mn-cs"/>
                         </a:rPr>
-                        <a:t>                       </a:t>
+                        <a:t>Standard deviation </a:t>
                       </a:r>
-                      <a:r>
-                        <a:rPr lang="en-US" sz="1100" b="0" i="0" u="none" strike="noStrike" dirty="0" err="1" smtClean="0">
-                          <a:solidFill>
-                            <a:srgbClr val="000000"/>
-                          </a:solidFill>
-                          <a:effectLst/>
-                          <a:latin typeface="Calibri"/>
-                        </a:rPr>
-                        <a:t>bias_sim_minus_meas</a:t>
-                      </a:r>
-                      <a:endParaRPr lang="en-US" sz="1100" b="0" i="0" u="none" strike="noStrike" dirty="0">
-                        <a:solidFill>
-                          <a:srgbClr val="000000"/>
-                        </a:solidFill>
-                        <a:effectLst/>
-                        <a:latin typeface="Calibri"/>
-                      </a:endParaRPr>
+                    </a:p>
+                    <a:p>
+                      <a:pPr algn="ctr"/>
+                      <a:endParaRPr lang="en-US" dirty="0"/>
                     </a:p>
                   </a:txBody>
-                  <a:tcPr marL="9525" marR="9525" marT="9525" marB="0" anchor="b">
-                    <a:lnL>
-                      <a:noFill/>
-                    </a:lnL>
-                    <a:lnR>
-                      <a:noFill/>
-                    </a:lnR>
-                    <a:lnT>
-                      <a:noFill/>
-                    </a:lnT>
-                    <a:lnB>
-                      <a:noFill/>
-                    </a:lnB>
-                  </a:tcPr>
-                </a:tc>
-              </a:tr>
-              <a:tr h="311727">
-                <a:tc>
-                  <a:txBody>
-                    <a:bodyPr/>
-                    <a:lstStyle/>
-                    <a:p>
-                      <a:pPr algn="l" fontAlgn="b"/>
-                      <a:r>
-                        <a:rPr lang="en-US" sz="1100" b="0" i="0" u="none" strike="noStrike">
-                          <a:solidFill>
-                            <a:srgbClr val="000000"/>
-                          </a:solidFill>
-                          <a:effectLst/>
-                          <a:latin typeface="Calibri"/>
-                        </a:rPr>
-                        <a:t>Room1</a:t>
-                      </a:r>
-                    </a:p>
-                  </a:txBody>
-                  <a:tcPr marL="9525" marR="9525" marT="9525" marB="0" anchor="b">
-                    <a:lnL>
-                      <a:noFill/>
-                    </a:lnL>
-                    <a:lnR>
-                      <a:noFill/>
-                    </a:lnR>
-                    <a:lnT>
-                      <a:noFill/>
-                    </a:lnT>
-                    <a:lnB>
-                      <a:noFill/>
-                    </a:lnB>
-                  </a:tcPr>
+                  <a:tcPr/>
                 </a:tc>
                 <a:tc>
                   <a:txBody>
                     <a:bodyPr/>
                     <a:lstStyle/>
                     <a:p>
-                      <a:pPr algn="r" fontAlgn="b"/>
+                      <a:pPr algn="ctr"/>
                       <a:r>
-                        <a:rPr lang="en-US" sz="1100" b="0" i="0" u="none" strike="noStrike">
+                        <a:rPr lang="en-US" sz="1800" b="1" i="0" u="none" strike="noStrike" kern="1200" baseline="0" dirty="0">
                           <a:solidFill>
-                            <a:srgbClr val="000000"/>
+                            <a:schemeClr val="tx1"/>
                           </a:solidFill>
-                          <a:effectLst/>
-                          <a:latin typeface="Calibri"/>
+                          <a:latin typeface="+mn-lt"/>
+                          <a:ea typeface="+mn-ea"/>
+                          <a:cs typeface="+mn-cs"/>
                         </a:rPr>
-                        <a:t>419.9996042</a:t>
+                        <a:t>Skew </a:t>
                       </a:r>
+                      <a:endParaRPr lang="en-US" dirty="0"/>
                     </a:p>
                   </a:txBody>
-                  <a:tcPr marL="9525" marR="9525" marT="9525" marB="0" anchor="b">
-                    <a:lnL>
-                      <a:noFill/>
-                    </a:lnL>
-                    <a:lnR>
-                      <a:noFill/>
-                    </a:lnR>
-                    <a:lnT>
-                      <a:noFill/>
-                    </a:lnT>
-                    <a:lnB>
-                      <a:noFill/>
-                    </a:lnB>
-                  </a:tcPr>
+                  <a:tcPr/>
                 </a:tc>
                 <a:tc>
                   <a:txBody>
                     <a:bodyPr/>
                     <a:lstStyle/>
                     <a:p>
-                      <a:pPr algn="r" fontAlgn="b"/>
+                      <a:pPr marL="0" marR="0" indent="0" algn="ctr" defTabSz="914400" rtl="0" eaLnBrk="1" fontAlgn="auto" latinLnBrk="0" hangingPunct="1">
+                        <a:lnSpc>
+                          <a:spcPct val="100000"/>
+                        </a:lnSpc>
+                        <a:spcBef>
+                          <a:spcPts val="0"/>
+                        </a:spcBef>
+                        <a:spcAft>
+                          <a:spcPts val="0"/>
+                        </a:spcAft>
+                        <a:buClrTx/>
+                        <a:buSzTx/>
+                        <a:buFontTx/>
+                        <a:buNone/>
+                        <a:tabLst/>
+                        <a:defRPr/>
+                      </a:pPr>
                       <a:r>
-                        <a:rPr lang="en-US" sz="1100" b="0" i="0" u="none" strike="noStrike">
+                        <a:rPr lang="en-US" sz="1800" b="1" i="0" u="none" strike="noStrike" kern="1200" baseline="0" dirty="0">
                           <a:solidFill>
-                            <a:srgbClr val="000000"/>
+                            <a:schemeClr val="tx1"/>
                           </a:solidFill>
-                          <a:effectLst/>
-                          <a:latin typeface="Calibri"/>
+                          <a:latin typeface="+mn-lt"/>
+                          <a:ea typeface="+mn-ea"/>
+                          <a:cs typeface="+mn-cs"/>
                         </a:rPr>
-                        <a:t>641.8188897</a:t>
+                        <a:t>Kurtosis</a:t>
+                      </a:r>
+                      <a:endParaRPr lang="en-US" dirty="0"/>
+                    </a:p>
+                    <a:p>
+                      <a:pPr algn="ctr"/>
+                      <a:endParaRPr lang="en-US" dirty="0"/>
+                    </a:p>
+                  </a:txBody>
+                  <a:tcPr/>
+                </a:tc>
+                <a:extLst>
+                  <a:ext uri="{0D108BD9-81ED-4DB2-BD59-A6C34878D82A}">
+                    <a16:rowId xmlns="" xmlns:a16="http://schemas.microsoft.com/office/drawing/2014/main" val="10000"/>
+                  </a:ext>
+                </a:extLst>
+              </a:tr>
+              <a:tr h="728980">
+                <a:tc>
+                  <a:txBody>
+                    <a:bodyPr/>
+                    <a:lstStyle/>
+                    <a:p>
+                      <a:pPr algn="ctr"/>
+                      <a:r>
+                        <a:rPr lang="en-US" dirty="0"/>
+                        <a:t>Bootstrapped</a:t>
                       </a:r>
                     </a:p>
                   </a:txBody>
-                  <a:tcPr marL="9525" marR="9525" marT="9525" marB="0" anchor="b">
-                    <a:lnL>
-                      <a:noFill/>
-                    </a:lnL>
-                    <a:lnR>
-                      <a:noFill/>
-                    </a:lnR>
-                    <a:lnT>
-                      <a:noFill/>
-                    </a:lnT>
-                    <a:lnB>
-                      <a:noFill/>
-                    </a:lnB>
-                  </a:tcPr>
+                  <a:tcPr/>
                 </a:tc>
                 <a:tc>
                   <a:txBody>
                     <a:bodyPr/>
                     <a:lstStyle/>
                     <a:p>
-                      <a:pPr algn="r" fontAlgn="b"/>
+                      <a:pPr algn="ctr"/>
                       <a:r>
-                        <a:rPr lang="en-US" sz="1100" b="0" i="0" u="none" strike="noStrike">
+                        <a:rPr lang="en-US" sz="1800" b="0" i="0" u="none" strike="noStrike" kern="1200" baseline="0" dirty="0" smtClean="0">
                           <a:solidFill>
-                            <a:srgbClr val="000000"/>
+                            <a:schemeClr val="tx1"/>
                           </a:solidFill>
-                          <a:effectLst/>
-                          <a:latin typeface="Calibri"/>
+                          <a:latin typeface="+mn-lt"/>
+                          <a:ea typeface="+mn-ea"/>
+                          <a:cs typeface="+mn-cs"/>
                         </a:rPr>
-                        <a:t>-221.8192855</a:t>
+                        <a:t>420</a:t>
                       </a:r>
+                      <a:endParaRPr lang="en-US" dirty="0"/>
                     </a:p>
                   </a:txBody>
-                  <a:tcPr marL="9525" marR="9525" marT="9525" marB="0" anchor="b">
-                    <a:lnL>
-                      <a:noFill/>
-                    </a:lnL>
-                    <a:lnR>
-                      <a:noFill/>
-                    </a:lnR>
-                    <a:lnT>
-                      <a:noFill/>
-                    </a:lnT>
-                    <a:lnB>
-                      <a:noFill/>
-                    </a:lnB>
-                  </a:tcPr>
-                </a:tc>
-              </a:tr>
-              <a:tr h="311727">
-                <a:tc>
-                  <a:txBody>
-                    <a:bodyPr/>
-                    <a:lstStyle/>
-                    <a:p>
-                      <a:pPr algn="l" fontAlgn="b"/>
-                      <a:r>
-                        <a:rPr lang="en-US" sz="1100" b="0" i="0" u="none" strike="noStrike">
-                          <a:solidFill>
-                            <a:srgbClr val="000000"/>
-                          </a:solidFill>
-                          <a:effectLst/>
-                          <a:latin typeface="Calibri"/>
-                        </a:rPr>
-                        <a:t>Room1</a:t>
-                      </a:r>
-                    </a:p>
-                  </a:txBody>
-                  <a:tcPr marL="9525" marR="9525" marT="9525" marB="0" anchor="b">
-                    <a:lnL>
-                      <a:noFill/>
-                    </a:lnL>
-                    <a:lnR>
-                      <a:noFill/>
-                    </a:lnR>
-                    <a:lnT>
-                      <a:noFill/>
-                    </a:lnT>
-                    <a:lnB>
-                      <a:noFill/>
-                    </a:lnB>
-                  </a:tcPr>
+                  <a:tcPr/>
                 </a:tc>
                 <a:tc>
                   <a:txBody>
                     <a:bodyPr/>
                     <a:lstStyle/>
                     <a:p>
-                      <a:pPr algn="r" fontAlgn="b"/>
+                      <a:pPr algn="ctr"/>
                       <a:r>
-                        <a:rPr lang="en-US" sz="1100" b="0" i="0" u="none" strike="noStrike">
+                        <a:rPr lang="en-US" sz="1800" b="0" i="0" u="none" strike="noStrike" kern="1200" baseline="0" dirty="0" smtClean="0">
                           <a:solidFill>
-                            <a:srgbClr val="000000"/>
+                            <a:schemeClr val="tx1"/>
                           </a:solidFill>
-                          <a:effectLst/>
-                          <a:latin typeface="Calibri"/>
+                          <a:latin typeface="+mn-lt"/>
+                          <a:ea typeface="+mn-ea"/>
+                          <a:cs typeface="+mn-cs"/>
                         </a:rPr>
-                        <a:t>420.0001343</a:t>
+                        <a:t>420.00507</a:t>
                       </a:r>
+                      <a:endParaRPr lang="en-US" dirty="0"/>
                     </a:p>
                   </a:txBody>
-                  <a:tcPr marL="9525" marR="9525" marT="9525" marB="0" anchor="b">
-                    <a:lnL>
-                      <a:noFill/>
-                    </a:lnL>
-                    <a:lnR>
-                      <a:noFill/>
-                    </a:lnR>
-                    <a:lnT>
-                      <a:noFill/>
-                    </a:lnT>
-                    <a:lnB>
-                      <a:noFill/>
-                    </a:lnB>
-                  </a:tcPr>
+                  <a:tcPr/>
                 </a:tc>
                 <a:tc>
                   <a:txBody>
                     <a:bodyPr/>
                     <a:lstStyle/>
                     <a:p>
-                      <a:pPr algn="r" fontAlgn="b"/>
+                      <a:pPr algn="ctr"/>
                       <a:r>
-                        <a:rPr lang="en-US" sz="1100" b="0" i="0" u="none" strike="noStrike">
+                        <a:rPr lang="en-US" sz="1800" b="0" i="0" u="none" strike="noStrike" kern="1200" baseline="0" dirty="0" smtClean="0">
                           <a:solidFill>
-                            <a:srgbClr val="000000"/>
+                            <a:schemeClr val="tx1"/>
                           </a:solidFill>
-                          <a:effectLst/>
-                          <a:latin typeface="Calibri"/>
+                          <a:latin typeface="+mn-lt"/>
+                          <a:ea typeface="+mn-ea"/>
+                          <a:cs typeface="+mn-cs"/>
                         </a:rPr>
-                        <a:t>486.4577779</a:t>
+                        <a:t>0.000151</a:t>
                       </a:r>
+                      <a:endParaRPr lang="en-US" dirty="0"/>
                     </a:p>
                   </a:txBody>
-                  <a:tcPr marL="9525" marR="9525" marT="9525" marB="0" anchor="b">
-                    <a:lnL>
-                      <a:noFill/>
-                    </a:lnL>
-                    <a:lnR>
-                      <a:noFill/>
-                    </a:lnR>
-                    <a:lnT>
-                      <a:noFill/>
-                    </a:lnT>
-                    <a:lnB>
-                      <a:noFill/>
-                    </a:lnB>
-                  </a:tcPr>
+                  <a:tcPr/>
                 </a:tc>
                 <a:tc>
                   <a:txBody>
                     <a:bodyPr/>
                     <a:lstStyle/>
                     <a:p>
-                      <a:pPr algn="r" fontAlgn="b"/>
+                      <a:pPr marL="0" marR="0" indent="0" algn="ctr" defTabSz="914400" rtl="0" eaLnBrk="1" fontAlgn="auto" latinLnBrk="0" hangingPunct="1">
+                        <a:lnSpc>
+                          <a:spcPct val="100000"/>
+                        </a:lnSpc>
+                        <a:spcBef>
+                          <a:spcPts val="0"/>
+                        </a:spcBef>
+                        <a:spcAft>
+                          <a:spcPts val="0"/>
+                        </a:spcAft>
+                        <a:buClrTx/>
+                        <a:buSzTx/>
+                        <a:buFontTx/>
+                        <a:buNone/>
+                        <a:tabLst/>
+                        <a:defRPr/>
+                      </a:pPr>
                       <a:r>
-                        <a:rPr lang="en-US" sz="1100" b="0" i="0" u="none" strike="noStrike">
+                        <a:rPr lang="en-US" sz="1800" b="0" i="0" u="none" strike="noStrike" kern="1200" baseline="0" dirty="0" smtClean="0">
                           <a:solidFill>
-                            <a:srgbClr val="000000"/>
+                            <a:schemeClr val="tx1"/>
                           </a:solidFill>
-                          <a:effectLst/>
-                          <a:latin typeface="Calibri"/>
+                          <a:latin typeface="+mn-lt"/>
+                          <a:ea typeface="+mn-ea"/>
+                          <a:cs typeface="+mn-cs"/>
                         </a:rPr>
-                        <a:t>-66.45764355</a:t>
+                        <a:t>1.081772</a:t>
                       </a:r>
+                      <a:endParaRPr lang="en-US" dirty="0"/>
                     </a:p>
                   </a:txBody>
-                  <a:tcPr marL="9525" marR="9525" marT="9525" marB="0" anchor="b">
-                    <a:lnL>
-                      <a:noFill/>
-                    </a:lnL>
-                    <a:lnR>
-                      <a:noFill/>
-                    </a:lnR>
-                    <a:lnT>
-                      <a:noFill/>
-                    </a:lnT>
-                    <a:lnB>
-                      <a:noFill/>
-                    </a:lnB>
-                  </a:tcPr>
-                </a:tc>
-              </a:tr>
-              <a:tr h="311727">
-                <a:tc>
-                  <a:txBody>
-                    <a:bodyPr/>
-                    <a:lstStyle/>
-                    <a:p>
-                      <a:pPr algn="l" fontAlgn="b"/>
-                      <a:r>
-                        <a:rPr lang="en-US" sz="1100" b="0" i="0" u="none" strike="noStrike">
-                          <a:solidFill>
-                            <a:srgbClr val="000000"/>
-                          </a:solidFill>
-                          <a:effectLst/>
-                          <a:latin typeface="Calibri"/>
-                        </a:rPr>
-                        <a:t>Room1</a:t>
-                      </a:r>
-                    </a:p>
-                  </a:txBody>
-                  <a:tcPr marL="9525" marR="9525" marT="9525" marB="0" anchor="b">
-                    <a:lnL>
-                      <a:noFill/>
-                    </a:lnL>
-                    <a:lnR>
-                      <a:noFill/>
-                    </a:lnR>
-                    <a:lnT>
-                      <a:noFill/>
-                    </a:lnT>
-                    <a:lnB>
-                      <a:noFill/>
-                    </a:lnB>
-                  </a:tcPr>
+                  <a:tcPr/>
                 </a:tc>
                 <a:tc>
                   <a:txBody>
                     <a:bodyPr/>
                     <a:lstStyle/>
                     <a:p>
-                      <a:pPr algn="r" fontAlgn="b"/>
+                      <a:pPr algn="ctr"/>
                       <a:r>
-                        <a:rPr lang="en-US" sz="1100" b="0" i="0" u="none" strike="noStrike">
+                        <a:rPr lang="en-US" sz="1800" b="0" i="0" u="none" strike="noStrike" kern="1200" baseline="0" dirty="0" smtClean="0">
                           <a:solidFill>
-                            <a:srgbClr val="000000"/>
+                            <a:schemeClr val="tx1"/>
                           </a:solidFill>
-                          <a:effectLst/>
-                          <a:latin typeface="Calibri"/>
+                          <a:latin typeface="+mn-lt"/>
+                          <a:ea typeface="+mn-ea"/>
+                          <a:cs typeface="+mn-cs"/>
                         </a:rPr>
-                        <a:t>420.0000805</a:t>
+                        <a:t>-0.420776</a:t>
+                      </a:r>
+                      <a:endParaRPr lang="en-US" dirty="0"/>
+                    </a:p>
+                  </a:txBody>
+                  <a:tcPr/>
+                </a:tc>
+                <a:extLst>
+                  <a:ext uri="{0D108BD9-81ED-4DB2-BD59-A6C34878D82A}">
+                    <a16:rowId xmlns="" xmlns:a16="http://schemas.microsoft.com/office/drawing/2014/main" val="10001"/>
+                  </a:ext>
+                </a:extLst>
+              </a:tr>
+              <a:tr h="728980">
+                <a:tc>
+                  <a:txBody>
+                    <a:bodyPr/>
+                    <a:lstStyle/>
+                    <a:p>
+                      <a:pPr algn="ctr"/>
+                      <a:r>
+                        <a:rPr lang="en-US" dirty="0"/>
+                        <a:t>Literature</a:t>
                       </a:r>
                     </a:p>
                   </a:txBody>
-                  <a:tcPr marL="9525" marR="9525" marT="9525" marB="0" anchor="b">
-                    <a:lnL>
-                      <a:noFill/>
-                    </a:lnL>
-                    <a:lnR>
-                      <a:noFill/>
-                    </a:lnR>
-                    <a:lnT>
-                      <a:noFill/>
-                    </a:lnT>
-                    <a:lnB>
-                      <a:noFill/>
-                    </a:lnB>
-                  </a:tcPr>
+                  <a:tcPr/>
                 </a:tc>
                 <a:tc>
                   <a:txBody>
                     <a:bodyPr/>
                     <a:lstStyle/>
                     <a:p>
-                      <a:pPr algn="r" fontAlgn="b"/>
+                      <a:pPr algn="ctr"/>
                       <a:r>
-                        <a:rPr lang="en-US" sz="1100" b="0" i="0" u="none" strike="noStrike">
-                          <a:solidFill>
-                            <a:srgbClr val="000000"/>
-                          </a:solidFill>
-                          <a:effectLst/>
-                          <a:latin typeface="Calibri"/>
-                        </a:rPr>
-                        <a:t>547.1571122</a:t>
+                        <a:rPr lang="en-US" dirty="0" smtClean="0"/>
+                        <a:t>406.72</a:t>
                       </a:r>
+                      <a:endParaRPr lang="en-US" dirty="0"/>
                     </a:p>
                   </a:txBody>
-                  <a:tcPr marL="9525" marR="9525" marT="9525" marB="0" anchor="b">
-                    <a:lnL>
-                      <a:noFill/>
-                    </a:lnL>
-                    <a:lnR>
-                      <a:noFill/>
-                    </a:lnR>
-                    <a:lnT>
-                      <a:noFill/>
-                    </a:lnT>
-                    <a:lnB>
-                      <a:noFill/>
-                    </a:lnB>
-                  </a:tcPr>
+                  <a:tcPr/>
                 </a:tc>
                 <a:tc>
                   <a:txBody>
                     <a:bodyPr/>
                     <a:lstStyle/>
                     <a:p>
-                      <a:pPr algn="r" fontAlgn="b"/>
+                      <a:pPr algn="ctr"/>
                       <a:r>
-                        <a:rPr lang="en-US" sz="1100" b="0" i="0" u="none" strike="noStrike">
-                          <a:solidFill>
-                            <a:srgbClr val="000000"/>
-                          </a:solidFill>
-                          <a:effectLst/>
-                          <a:latin typeface="Calibri"/>
-                        </a:rPr>
-                        <a:t>-127.1570318</a:t>
+                        <a:rPr lang="en-US" dirty="0" smtClean="0"/>
+                        <a:t>1046.40</a:t>
                       </a:r>
+                      <a:endParaRPr lang="en-US" dirty="0"/>
                     </a:p>
                   </a:txBody>
-                  <a:tcPr marL="9525" marR="9525" marT="9525" marB="0" anchor="b">
-                    <a:lnL>
-                      <a:noFill/>
-                    </a:lnL>
-                    <a:lnR>
-                      <a:noFill/>
-                    </a:lnR>
-                    <a:lnT>
-                      <a:noFill/>
-                    </a:lnT>
-                    <a:lnB>
-                      <a:noFill/>
-                    </a:lnB>
-                  </a:tcPr>
-                </a:tc>
-              </a:tr>
-              <a:tr h="311727">
-                <a:tc>
-                  <a:txBody>
-                    <a:bodyPr/>
-                    <a:lstStyle/>
-                    <a:p>
-                      <a:pPr algn="l" fontAlgn="b"/>
-                      <a:r>
-                        <a:rPr lang="en-US" sz="1100" b="0" i="0" u="none" strike="noStrike">
-                          <a:solidFill>
-                            <a:srgbClr val="000000"/>
-                          </a:solidFill>
-                          <a:effectLst/>
-                          <a:latin typeface="Calibri"/>
-                        </a:rPr>
-                        <a:t>Room1</a:t>
-                      </a:r>
-                    </a:p>
-                  </a:txBody>
-                  <a:tcPr marL="9525" marR="9525" marT="9525" marB="0" anchor="b">
-                    <a:lnL>
-                      <a:noFill/>
-                    </a:lnL>
-                    <a:lnR>
-                      <a:noFill/>
-                    </a:lnR>
-                    <a:lnT>
-                      <a:noFill/>
-                    </a:lnT>
-                    <a:lnB>
-                      <a:noFill/>
-                    </a:lnB>
-                  </a:tcPr>
+                  <a:tcPr/>
                 </a:tc>
                 <a:tc>
                   <a:txBody>
                     <a:bodyPr/>
                     <a:lstStyle/>
                     <a:p>
-                      <a:pPr algn="r" fontAlgn="b"/>
+                      <a:pPr algn="ctr"/>
                       <a:r>
-                        <a:rPr lang="en-US" sz="1100" b="0" i="0" u="none" strike="noStrike">
-                          <a:solidFill>
-                            <a:srgbClr val="000000"/>
-                          </a:solidFill>
-                          <a:effectLst/>
-                          <a:latin typeface="Calibri"/>
-                        </a:rPr>
-                        <a:t>420.0005307</a:t>
+                        <a:rPr lang="en-US" dirty="0" smtClean="0"/>
+                        <a:t>113.49</a:t>
                       </a:r>
+                      <a:endParaRPr lang="en-US" dirty="0"/>
                     </a:p>
                   </a:txBody>
-                  <a:tcPr marL="9525" marR="9525" marT="9525" marB="0" anchor="b">
-                    <a:lnL>
-                      <a:noFill/>
-                    </a:lnL>
-                    <a:lnR>
-                      <a:noFill/>
-                    </a:lnR>
-                    <a:lnT>
-                      <a:noFill/>
-                    </a:lnT>
-                    <a:lnB>
-                      <a:noFill/>
-                    </a:lnB>
-                  </a:tcPr>
+                  <a:tcPr/>
                 </a:tc>
                 <a:tc>
                   <a:txBody>
                     <a:bodyPr/>
                     <a:lstStyle/>
                     <a:p>
-                      <a:pPr algn="r" fontAlgn="b"/>
+                      <a:pPr algn="ctr"/>
                       <a:r>
-                        <a:rPr lang="en-US" sz="1100" b="0" i="0" u="none" strike="noStrike">
-                          <a:solidFill>
-                            <a:srgbClr val="000000"/>
-                          </a:solidFill>
-                          <a:effectLst/>
-                          <a:latin typeface="Calibri"/>
-                        </a:rPr>
-                        <a:t>606.5966687</a:t>
+                        <a:rPr lang="en-US" dirty="0" smtClean="0"/>
+                        <a:t>1.46</a:t>
                       </a:r>
+                      <a:endParaRPr lang="en-US" dirty="0"/>
                     </a:p>
                   </a:txBody>
-                  <a:tcPr marL="9525" marR="9525" marT="9525" marB="0" anchor="b">
-                    <a:lnL>
-                      <a:noFill/>
-                    </a:lnL>
-                    <a:lnR>
-                      <a:noFill/>
-                    </a:lnR>
-                    <a:lnT>
-                      <a:noFill/>
-                    </a:lnT>
-                    <a:lnB>
-                      <a:noFill/>
-                    </a:lnB>
-                  </a:tcPr>
+                  <a:tcPr/>
                 </a:tc>
                 <a:tc>
                   <a:txBody>
                     <a:bodyPr/>
                     <a:lstStyle/>
                     <a:p>
-                      <a:pPr algn="r" fontAlgn="b"/>
+                      <a:pPr algn="ctr"/>
                       <a:r>
-                        <a:rPr lang="en-US" sz="1100" b="0" i="0" u="none" strike="noStrike">
-                          <a:solidFill>
-                            <a:srgbClr val="000000"/>
-                          </a:solidFill>
-                          <a:effectLst/>
-                          <a:latin typeface="Calibri"/>
-                        </a:rPr>
-                        <a:t>-186.596138</a:t>
+                        <a:rPr lang="en-US" dirty="0" smtClean="0"/>
+                        <a:t>1.57</a:t>
                       </a:r>
+                      <a:endParaRPr lang="en-US" dirty="0"/>
                     </a:p>
                   </a:txBody>
-                  <a:tcPr marL="9525" marR="9525" marT="9525" marB="0" anchor="b">
-                    <a:lnL>
-                      <a:noFill/>
-                    </a:lnL>
-                    <a:lnR>
-                      <a:noFill/>
-                    </a:lnR>
-                    <a:lnT>
-                      <a:noFill/>
-                    </a:lnT>
-                    <a:lnB>
-                      <a:noFill/>
-                    </a:lnB>
-                  </a:tcPr>
+                  <a:tcPr/>
                 </a:tc>
-              </a:tr>
-              <a:tr h="311727">
-                <a:tc>
-                  <a:txBody>
-                    <a:bodyPr/>
-                    <a:lstStyle/>
-                    <a:p>
-                      <a:pPr algn="l" fontAlgn="b"/>
-                      <a:r>
-                        <a:rPr lang="en-US" sz="1100" b="0" i="0" u="none" strike="noStrike">
-                          <a:solidFill>
-                            <a:srgbClr val="000000"/>
-                          </a:solidFill>
-                          <a:effectLst/>
-                          <a:latin typeface="Calibri"/>
-                        </a:rPr>
-                        <a:t>Room1</a:t>
-                      </a:r>
-                    </a:p>
-                  </a:txBody>
-                  <a:tcPr marL="9525" marR="9525" marT="9525" marB="0" anchor="b">
-                    <a:lnL>
-                      <a:noFill/>
-                    </a:lnL>
-                    <a:lnR>
-                      <a:noFill/>
-                    </a:lnR>
-                    <a:lnT>
-                      <a:noFill/>
-                    </a:lnT>
-                    <a:lnB>
-                      <a:noFill/>
-                    </a:lnB>
-                  </a:tcPr>
-                </a:tc>
-                <a:tc>
-                  <a:txBody>
-                    <a:bodyPr/>
-                    <a:lstStyle/>
-                    <a:p>
-                      <a:pPr algn="r" fontAlgn="b"/>
-                      <a:r>
-                        <a:rPr lang="en-US" sz="1100" b="0" i="0" u="none" strike="noStrike">
-                          <a:solidFill>
-                            <a:srgbClr val="000000"/>
-                          </a:solidFill>
-                          <a:effectLst/>
-                          <a:latin typeface="Calibri"/>
-                        </a:rPr>
-                        <a:t>420.0001008</a:t>
-                      </a:r>
-                    </a:p>
-                  </a:txBody>
-                  <a:tcPr marL="9525" marR="9525" marT="9525" marB="0" anchor="b">
-                    <a:lnL>
-                      <a:noFill/>
-                    </a:lnL>
-                    <a:lnR>
-                      <a:noFill/>
-                    </a:lnR>
-                    <a:lnT>
-                      <a:noFill/>
-                    </a:lnT>
-                    <a:lnB>
-                      <a:noFill/>
-                    </a:lnB>
-                  </a:tcPr>
-                </a:tc>
-                <a:tc>
-                  <a:txBody>
-                    <a:bodyPr/>
-                    <a:lstStyle/>
-                    <a:p>
-                      <a:pPr algn="r" fontAlgn="b"/>
-                      <a:r>
-                        <a:rPr lang="en-US" sz="1100" b="0" i="0" u="none" strike="noStrike">
-                          <a:solidFill>
-                            <a:srgbClr val="000000"/>
-                          </a:solidFill>
-                          <a:effectLst/>
-                          <a:latin typeface="Calibri"/>
-                        </a:rPr>
-                        <a:t>602.6855552</a:t>
-                      </a:r>
-                    </a:p>
-                  </a:txBody>
-                  <a:tcPr marL="9525" marR="9525" marT="9525" marB="0" anchor="b">
-                    <a:lnL>
-                      <a:noFill/>
-                    </a:lnL>
-                    <a:lnR>
-                      <a:noFill/>
-                    </a:lnR>
-                    <a:lnT>
-                      <a:noFill/>
-                    </a:lnT>
-                    <a:lnB>
-                      <a:noFill/>
-                    </a:lnB>
-                  </a:tcPr>
-                </a:tc>
-                <a:tc>
-                  <a:txBody>
-                    <a:bodyPr/>
-                    <a:lstStyle/>
-                    <a:p>
-                      <a:pPr algn="r" fontAlgn="b"/>
-                      <a:r>
-                        <a:rPr lang="en-US" sz="1100" b="0" i="0" u="none" strike="noStrike">
-                          <a:solidFill>
-                            <a:srgbClr val="000000"/>
-                          </a:solidFill>
-                          <a:effectLst/>
-                          <a:latin typeface="Calibri"/>
-                        </a:rPr>
-                        <a:t>-182.6854543</a:t>
-                      </a:r>
-                    </a:p>
-                  </a:txBody>
-                  <a:tcPr marL="9525" marR="9525" marT="9525" marB="0" anchor="b">
-                    <a:lnL>
-                      <a:noFill/>
-                    </a:lnL>
-                    <a:lnR>
-                      <a:noFill/>
-                    </a:lnR>
-                    <a:lnT>
-                      <a:noFill/>
-                    </a:lnT>
-                    <a:lnB>
-                      <a:noFill/>
-                    </a:lnB>
-                  </a:tcPr>
-                </a:tc>
-              </a:tr>
-              <a:tr h="311727">
-                <a:tc>
-                  <a:txBody>
-                    <a:bodyPr/>
-                    <a:lstStyle/>
-                    <a:p>
-                      <a:pPr algn="l" fontAlgn="b"/>
-                      <a:r>
-                        <a:rPr lang="en-US" sz="1100" b="0" i="0" u="none" strike="noStrike">
-                          <a:solidFill>
-                            <a:srgbClr val="000000"/>
-                          </a:solidFill>
-                          <a:effectLst/>
-                          <a:latin typeface="Calibri"/>
-                        </a:rPr>
-                        <a:t>Room1</a:t>
-                      </a:r>
-                    </a:p>
-                  </a:txBody>
-                  <a:tcPr marL="9525" marR="9525" marT="9525" marB="0" anchor="b">
-                    <a:lnL>
-                      <a:noFill/>
-                    </a:lnL>
-                    <a:lnR>
-                      <a:noFill/>
-                    </a:lnR>
-                    <a:lnT>
-                      <a:noFill/>
-                    </a:lnT>
-                    <a:lnB>
-                      <a:noFill/>
-                    </a:lnB>
-                  </a:tcPr>
-                </a:tc>
-                <a:tc>
-                  <a:txBody>
-                    <a:bodyPr/>
-                    <a:lstStyle/>
-                    <a:p>
-                      <a:pPr algn="r" fontAlgn="b"/>
-                      <a:r>
-                        <a:rPr lang="en-US" sz="1100" b="0" i="0" u="none" strike="noStrike">
-                          <a:solidFill>
-                            <a:srgbClr val="000000"/>
-                          </a:solidFill>
-                          <a:effectLst/>
-                          <a:latin typeface="Calibri"/>
-                        </a:rPr>
-                        <a:t>420.0001047</a:t>
-                      </a:r>
-                    </a:p>
-                  </a:txBody>
-                  <a:tcPr marL="9525" marR="9525" marT="9525" marB="0" anchor="b">
-                    <a:lnL>
-                      <a:noFill/>
-                    </a:lnL>
-                    <a:lnR>
-                      <a:noFill/>
-                    </a:lnR>
-                    <a:lnT>
-                      <a:noFill/>
-                    </a:lnT>
-                    <a:lnB>
-                      <a:noFill/>
-                    </a:lnB>
-                  </a:tcPr>
-                </a:tc>
-                <a:tc>
-                  <a:txBody>
-                    <a:bodyPr/>
-                    <a:lstStyle/>
-                    <a:p>
-                      <a:pPr algn="r" fontAlgn="b"/>
-                      <a:r>
-                        <a:rPr lang="en-US" sz="1100" b="0" i="0" u="none" strike="noStrike">
-                          <a:solidFill>
-                            <a:srgbClr val="000000"/>
-                          </a:solidFill>
-                          <a:effectLst/>
-                          <a:latin typeface="Calibri"/>
-                        </a:rPr>
-                        <a:t>549.8744438</a:t>
-                      </a:r>
-                    </a:p>
-                  </a:txBody>
-                  <a:tcPr marL="9525" marR="9525" marT="9525" marB="0" anchor="b">
-                    <a:lnL>
-                      <a:noFill/>
-                    </a:lnL>
-                    <a:lnR>
-                      <a:noFill/>
-                    </a:lnR>
-                    <a:lnT>
-                      <a:noFill/>
-                    </a:lnT>
-                    <a:lnB>
-                      <a:noFill/>
-                    </a:lnB>
-                  </a:tcPr>
-                </a:tc>
-                <a:tc>
-                  <a:txBody>
-                    <a:bodyPr/>
-                    <a:lstStyle/>
-                    <a:p>
-                      <a:pPr algn="r" fontAlgn="b"/>
-                      <a:r>
-                        <a:rPr lang="en-US" sz="1100" b="0" i="0" u="none" strike="noStrike">
-                          <a:solidFill>
-                            <a:srgbClr val="000000"/>
-                          </a:solidFill>
-                          <a:effectLst/>
-                          <a:latin typeface="Calibri"/>
-                        </a:rPr>
-                        <a:t>-129.8743391</a:t>
-                      </a:r>
-                    </a:p>
-                  </a:txBody>
-                  <a:tcPr marL="9525" marR="9525" marT="9525" marB="0" anchor="b">
-                    <a:lnL>
-                      <a:noFill/>
-                    </a:lnL>
-                    <a:lnR>
-                      <a:noFill/>
-                    </a:lnR>
-                    <a:lnT>
-                      <a:noFill/>
-                    </a:lnT>
-                    <a:lnB>
-                      <a:noFill/>
-                    </a:lnB>
-                  </a:tcPr>
-                </a:tc>
-              </a:tr>
-              <a:tr h="311727">
-                <a:tc>
-                  <a:txBody>
-                    <a:bodyPr/>
-                    <a:lstStyle/>
-                    <a:p>
-                      <a:pPr algn="l" fontAlgn="b"/>
-                      <a:r>
-                        <a:rPr lang="en-US" sz="1100" b="0" i="0" u="none" strike="noStrike">
-                          <a:solidFill>
-                            <a:srgbClr val="000000"/>
-                          </a:solidFill>
-                          <a:effectLst/>
-                          <a:latin typeface="Calibri"/>
-                        </a:rPr>
-                        <a:t>Room1</a:t>
-                      </a:r>
-                    </a:p>
-                  </a:txBody>
-                  <a:tcPr marL="9525" marR="9525" marT="9525" marB="0" anchor="b">
-                    <a:lnL>
-                      <a:noFill/>
-                    </a:lnL>
-                    <a:lnR>
-                      <a:noFill/>
-                    </a:lnR>
-                    <a:lnT>
-                      <a:noFill/>
-                    </a:lnT>
-                    <a:lnB>
-                      <a:noFill/>
-                    </a:lnB>
-                  </a:tcPr>
-                </a:tc>
-                <a:tc>
-                  <a:txBody>
-                    <a:bodyPr/>
-                    <a:lstStyle/>
-                    <a:p>
-                      <a:pPr algn="r" fontAlgn="b"/>
-                      <a:r>
-                        <a:rPr lang="en-US" sz="1100" b="0" i="0" u="none" strike="noStrike">
-                          <a:solidFill>
-                            <a:srgbClr val="000000"/>
-                          </a:solidFill>
-                          <a:effectLst/>
-                          <a:latin typeface="Calibri"/>
-                        </a:rPr>
-                        <a:t>420.0000288</a:t>
-                      </a:r>
-                    </a:p>
-                  </a:txBody>
-                  <a:tcPr marL="9525" marR="9525" marT="9525" marB="0" anchor="b">
-                    <a:lnL>
-                      <a:noFill/>
-                    </a:lnL>
-                    <a:lnR>
-                      <a:noFill/>
-                    </a:lnR>
-                    <a:lnT>
-                      <a:noFill/>
-                    </a:lnT>
-                    <a:lnB>
-                      <a:noFill/>
-                    </a:lnB>
-                  </a:tcPr>
-                </a:tc>
-                <a:tc>
-                  <a:txBody>
-                    <a:bodyPr/>
-                    <a:lstStyle/>
-                    <a:p>
-                      <a:pPr algn="r" fontAlgn="b"/>
-                      <a:r>
-                        <a:rPr lang="en-US" sz="1100" b="0" i="0" u="none" strike="noStrike">
-                          <a:solidFill>
-                            <a:srgbClr val="000000"/>
-                          </a:solidFill>
-                          <a:effectLst/>
-                          <a:latin typeface="Calibri"/>
-                        </a:rPr>
-                        <a:t>478.5697796</a:t>
-                      </a:r>
-                    </a:p>
-                  </a:txBody>
-                  <a:tcPr marL="9525" marR="9525" marT="9525" marB="0" anchor="b">
-                    <a:lnL>
-                      <a:noFill/>
-                    </a:lnL>
-                    <a:lnR>
-                      <a:noFill/>
-                    </a:lnR>
-                    <a:lnT>
-                      <a:noFill/>
-                    </a:lnT>
-                    <a:lnB>
-                      <a:noFill/>
-                    </a:lnB>
-                  </a:tcPr>
-                </a:tc>
-                <a:tc>
-                  <a:txBody>
-                    <a:bodyPr/>
-                    <a:lstStyle/>
-                    <a:p>
-                      <a:pPr algn="r" fontAlgn="b"/>
-                      <a:r>
-                        <a:rPr lang="en-US" sz="1100" b="0" i="0" u="none" strike="noStrike">
-                          <a:solidFill>
-                            <a:srgbClr val="000000"/>
-                          </a:solidFill>
-                          <a:effectLst/>
-                          <a:latin typeface="Calibri"/>
-                        </a:rPr>
-                        <a:t>-58.56975077</a:t>
-                      </a:r>
-                    </a:p>
-                  </a:txBody>
-                  <a:tcPr marL="9525" marR="9525" marT="9525" marB="0" anchor="b">
-                    <a:lnL>
-                      <a:noFill/>
-                    </a:lnL>
-                    <a:lnR>
-                      <a:noFill/>
-                    </a:lnR>
-                    <a:lnT>
-                      <a:noFill/>
-                    </a:lnT>
-                    <a:lnB>
-                      <a:noFill/>
-                    </a:lnB>
-                  </a:tcPr>
-                </a:tc>
-              </a:tr>
-              <a:tr h="311727">
-                <a:tc>
-                  <a:txBody>
-                    <a:bodyPr/>
-                    <a:lstStyle/>
-                    <a:p>
-                      <a:pPr algn="l" fontAlgn="b"/>
-                      <a:r>
-                        <a:rPr lang="en-US" sz="1100" b="0" i="0" u="none" strike="noStrike">
-                          <a:solidFill>
-                            <a:srgbClr val="000000"/>
-                          </a:solidFill>
-                          <a:effectLst/>
-                          <a:latin typeface="Calibri"/>
-                        </a:rPr>
-                        <a:t>Room1</a:t>
-                      </a:r>
-                    </a:p>
-                  </a:txBody>
-                  <a:tcPr marL="9525" marR="9525" marT="9525" marB="0" anchor="b">
-                    <a:lnL>
-                      <a:noFill/>
-                    </a:lnL>
-                    <a:lnR>
-                      <a:noFill/>
-                    </a:lnR>
-                    <a:lnT>
-                      <a:noFill/>
-                    </a:lnT>
-                    <a:lnB>
-                      <a:noFill/>
-                    </a:lnB>
-                  </a:tcPr>
-                </a:tc>
-                <a:tc>
-                  <a:txBody>
-                    <a:bodyPr/>
-                    <a:lstStyle/>
-                    <a:p>
-                      <a:pPr algn="r" fontAlgn="b"/>
-                      <a:r>
-                        <a:rPr lang="en-US" sz="1100" b="0" i="0" u="none" strike="noStrike">
-                          <a:solidFill>
-                            <a:srgbClr val="000000"/>
-                          </a:solidFill>
-                          <a:effectLst/>
-                          <a:latin typeface="Calibri"/>
-                        </a:rPr>
-                        <a:t>420.000564</a:t>
-                      </a:r>
-                    </a:p>
-                  </a:txBody>
-                  <a:tcPr marL="9525" marR="9525" marT="9525" marB="0" anchor="b">
-                    <a:lnL>
-                      <a:noFill/>
-                    </a:lnL>
-                    <a:lnR>
-                      <a:noFill/>
-                    </a:lnR>
-                    <a:lnT>
-                      <a:noFill/>
-                    </a:lnT>
-                    <a:lnB>
-                      <a:noFill/>
-                    </a:lnB>
-                  </a:tcPr>
-                </a:tc>
-                <a:tc>
-                  <a:txBody>
-                    <a:bodyPr/>
-                    <a:lstStyle/>
-                    <a:p>
-                      <a:pPr algn="r" fontAlgn="b"/>
-                      <a:r>
-                        <a:rPr lang="en-US" sz="1100" b="0" i="0" u="none" strike="noStrike">
-                          <a:solidFill>
-                            <a:srgbClr val="000000"/>
-                          </a:solidFill>
-                          <a:effectLst/>
-                          <a:latin typeface="Calibri"/>
-                        </a:rPr>
-                        <a:t>591.5240003</a:t>
-                      </a:r>
-                    </a:p>
-                  </a:txBody>
-                  <a:tcPr marL="9525" marR="9525" marT="9525" marB="0" anchor="b">
-                    <a:lnL>
-                      <a:noFill/>
-                    </a:lnL>
-                    <a:lnR>
-                      <a:noFill/>
-                    </a:lnR>
-                    <a:lnT>
-                      <a:noFill/>
-                    </a:lnT>
-                    <a:lnB>
-                      <a:noFill/>
-                    </a:lnB>
-                  </a:tcPr>
-                </a:tc>
-                <a:tc>
-                  <a:txBody>
-                    <a:bodyPr/>
-                    <a:lstStyle/>
-                    <a:p>
-                      <a:pPr algn="r" fontAlgn="b"/>
-                      <a:r>
-                        <a:rPr lang="en-US" sz="1100" b="0" i="0" u="none" strike="noStrike">
-                          <a:solidFill>
-                            <a:srgbClr val="000000"/>
-                          </a:solidFill>
-                          <a:effectLst/>
-                          <a:latin typeface="Calibri"/>
-                        </a:rPr>
-                        <a:t>-171.5234363</a:t>
-                      </a:r>
-                    </a:p>
-                  </a:txBody>
-                  <a:tcPr marL="9525" marR="9525" marT="9525" marB="0" anchor="b">
-                    <a:lnL>
-                      <a:noFill/>
-                    </a:lnL>
-                    <a:lnR>
-                      <a:noFill/>
-                    </a:lnR>
-                    <a:lnT>
-                      <a:noFill/>
-                    </a:lnT>
-                    <a:lnB>
-                      <a:noFill/>
-                    </a:lnB>
-                  </a:tcPr>
-                </a:tc>
-              </a:tr>
-              <a:tr h="311727">
-                <a:tc>
-                  <a:txBody>
-                    <a:bodyPr/>
-                    <a:lstStyle/>
-                    <a:p>
-                      <a:pPr algn="l" fontAlgn="b"/>
-                      <a:r>
-                        <a:rPr lang="en-US" sz="1100" b="0" i="0" u="none" strike="noStrike">
-                          <a:solidFill>
-                            <a:srgbClr val="000000"/>
-                          </a:solidFill>
-                          <a:effectLst/>
-                          <a:latin typeface="Calibri"/>
-                        </a:rPr>
-                        <a:t>Room1</a:t>
-                      </a:r>
-                    </a:p>
-                  </a:txBody>
-                  <a:tcPr marL="9525" marR="9525" marT="9525" marB="0" anchor="b">
-                    <a:lnL>
-                      <a:noFill/>
-                    </a:lnL>
-                    <a:lnR>
-                      <a:noFill/>
-                    </a:lnR>
-                    <a:lnT>
-                      <a:noFill/>
-                    </a:lnT>
-                    <a:lnB>
-                      <a:noFill/>
-                    </a:lnB>
-                  </a:tcPr>
-                </a:tc>
-                <a:tc>
-                  <a:txBody>
-                    <a:bodyPr/>
-                    <a:lstStyle/>
-                    <a:p>
-                      <a:pPr algn="r" fontAlgn="b"/>
-                      <a:r>
-                        <a:rPr lang="en-US" sz="1100" b="0" i="0" u="none" strike="noStrike">
-                          <a:solidFill>
-                            <a:srgbClr val="000000"/>
-                          </a:solidFill>
-                          <a:effectLst/>
-                          <a:latin typeface="Calibri"/>
-                        </a:rPr>
-                        <a:t>420.000161</a:t>
-                      </a:r>
-                    </a:p>
-                  </a:txBody>
-                  <a:tcPr marL="9525" marR="9525" marT="9525" marB="0" anchor="b">
-                    <a:lnL>
-                      <a:noFill/>
-                    </a:lnL>
-                    <a:lnR>
-                      <a:noFill/>
-                    </a:lnR>
-                    <a:lnT>
-                      <a:noFill/>
-                    </a:lnT>
-                    <a:lnB>
-                      <a:noFill/>
-                    </a:lnB>
-                  </a:tcPr>
-                </a:tc>
-                <a:tc>
-                  <a:txBody>
-                    <a:bodyPr/>
-                    <a:lstStyle/>
-                    <a:p>
-                      <a:pPr algn="r" fontAlgn="b"/>
-                      <a:r>
-                        <a:rPr lang="en-US" sz="1100" b="0" i="0" u="none" strike="noStrike">
-                          <a:solidFill>
-                            <a:srgbClr val="000000"/>
-                          </a:solidFill>
-                          <a:effectLst/>
-                          <a:latin typeface="Calibri"/>
-                        </a:rPr>
-                        <a:t>600.5215556</a:t>
-                      </a:r>
-                    </a:p>
-                  </a:txBody>
-                  <a:tcPr marL="9525" marR="9525" marT="9525" marB="0" anchor="b">
-                    <a:lnL>
-                      <a:noFill/>
-                    </a:lnL>
-                    <a:lnR>
-                      <a:noFill/>
-                    </a:lnR>
-                    <a:lnT>
-                      <a:noFill/>
-                    </a:lnT>
-                    <a:lnB>
-                      <a:noFill/>
-                    </a:lnB>
-                  </a:tcPr>
-                </a:tc>
-                <a:tc>
-                  <a:txBody>
-                    <a:bodyPr/>
-                    <a:lstStyle/>
-                    <a:p>
-                      <a:pPr algn="r" fontAlgn="b"/>
-                      <a:r>
-                        <a:rPr lang="en-US" sz="1100" b="0" i="0" u="none" strike="noStrike">
-                          <a:solidFill>
-                            <a:srgbClr val="000000"/>
-                          </a:solidFill>
-                          <a:effectLst/>
-                          <a:latin typeface="Calibri"/>
-                        </a:rPr>
-                        <a:t>-180.5213946</a:t>
-                      </a:r>
-                    </a:p>
-                  </a:txBody>
-                  <a:tcPr marL="9525" marR="9525" marT="9525" marB="0" anchor="b">
-                    <a:lnL>
-                      <a:noFill/>
-                    </a:lnL>
-                    <a:lnR>
-                      <a:noFill/>
-                    </a:lnR>
-                    <a:lnT>
-                      <a:noFill/>
-                    </a:lnT>
-                    <a:lnB>
-                      <a:noFill/>
-                    </a:lnB>
-                  </a:tcPr>
-                </a:tc>
-              </a:tr>
-              <a:tr h="311727">
-                <a:tc>
-                  <a:txBody>
-                    <a:bodyPr/>
-                    <a:lstStyle/>
-                    <a:p>
-                      <a:pPr algn="l" fontAlgn="b"/>
-                      <a:r>
-                        <a:rPr lang="en-US" sz="1100" b="0" i="0" u="none" strike="noStrike">
-                          <a:solidFill>
-                            <a:srgbClr val="000000"/>
-                          </a:solidFill>
-                          <a:effectLst/>
-                          <a:latin typeface="Calibri"/>
-                        </a:rPr>
-                        <a:t>Room1</a:t>
-                      </a:r>
-                    </a:p>
-                  </a:txBody>
-                  <a:tcPr marL="9525" marR="9525" marT="9525" marB="0" anchor="b">
-                    <a:lnL>
-                      <a:noFill/>
-                    </a:lnL>
-                    <a:lnR>
-                      <a:noFill/>
-                    </a:lnR>
-                    <a:lnT>
-                      <a:noFill/>
-                    </a:lnT>
-                    <a:lnB>
-                      <a:noFill/>
-                    </a:lnB>
-                  </a:tcPr>
-                </a:tc>
-                <a:tc>
-                  <a:txBody>
-                    <a:bodyPr/>
-                    <a:lstStyle/>
-                    <a:p>
-                      <a:pPr algn="r" fontAlgn="b"/>
-                      <a:r>
-                        <a:rPr lang="en-US" sz="1100" b="0" i="0" u="none" strike="noStrike">
-                          <a:solidFill>
-                            <a:srgbClr val="000000"/>
-                          </a:solidFill>
-                          <a:effectLst/>
-                          <a:latin typeface="Calibri"/>
-                        </a:rPr>
-                        <a:t>420.0171132</a:t>
-                      </a:r>
-                    </a:p>
-                  </a:txBody>
-                  <a:tcPr marL="9525" marR="9525" marT="9525" marB="0" anchor="b">
-                    <a:lnL>
-                      <a:noFill/>
-                    </a:lnL>
-                    <a:lnR>
-                      <a:noFill/>
-                    </a:lnR>
-                    <a:lnT>
-                      <a:noFill/>
-                    </a:lnT>
-                    <a:lnB>
-                      <a:noFill/>
-                    </a:lnB>
-                  </a:tcPr>
-                </a:tc>
-                <a:tc>
-                  <a:txBody>
-                    <a:bodyPr/>
-                    <a:lstStyle/>
-                    <a:p>
-                      <a:pPr algn="r" fontAlgn="b"/>
-                      <a:r>
-                        <a:rPr lang="en-US" sz="1100" b="0" i="0" u="none" strike="noStrike">
-                          <a:solidFill>
-                            <a:srgbClr val="000000"/>
-                          </a:solidFill>
-                          <a:effectLst/>
-                          <a:latin typeface="Calibri"/>
-                        </a:rPr>
-                        <a:t>602.0304447</a:t>
-                      </a:r>
-                    </a:p>
-                  </a:txBody>
-                  <a:tcPr marL="9525" marR="9525" marT="9525" marB="0" anchor="b">
-                    <a:lnL>
-                      <a:noFill/>
-                    </a:lnL>
-                    <a:lnR>
-                      <a:noFill/>
-                    </a:lnR>
-                    <a:lnT>
-                      <a:noFill/>
-                    </a:lnT>
-                    <a:lnB>
-                      <a:noFill/>
-                    </a:lnB>
-                  </a:tcPr>
-                </a:tc>
-                <a:tc>
-                  <a:txBody>
-                    <a:bodyPr/>
-                    <a:lstStyle/>
-                    <a:p>
-                      <a:pPr algn="r" fontAlgn="b"/>
-                      <a:r>
-                        <a:rPr lang="en-US" sz="1100" b="0" i="0" u="none" strike="noStrike" dirty="0">
-                          <a:solidFill>
-                            <a:srgbClr val="000000"/>
-                          </a:solidFill>
-                          <a:effectLst/>
-                          <a:latin typeface="Calibri"/>
-                        </a:rPr>
-                        <a:t>-182.0133315</a:t>
-                      </a:r>
-                    </a:p>
-                  </a:txBody>
-                  <a:tcPr marL="9525" marR="9525" marT="9525" marB="0" anchor="b">
-                    <a:lnL>
-                      <a:noFill/>
-                    </a:lnL>
-                    <a:lnR>
-                      <a:noFill/>
-                    </a:lnR>
-                    <a:lnT>
-                      <a:noFill/>
-                    </a:lnT>
-                    <a:lnB>
-                      <a:noFill/>
-                    </a:lnB>
-                  </a:tcPr>
-                </a:tc>
+                <a:extLst>
+                  <a:ext uri="{0D108BD9-81ED-4DB2-BD59-A6C34878D82A}">
+                    <a16:rowId xmlns="" xmlns:a16="http://schemas.microsoft.com/office/drawing/2014/main" val="10002"/>
+                  </a:ext>
+                </a:extLst>
               </a:tr>
             </a:tbl>
           </a:graphicData>
         </a:graphic>
       </p:graphicFrame>
+      <p:sp>
+        <p:nvSpPr>
+          <p:cNvPr id="4" name="TextBox 3"/>
+          <p:cNvSpPr txBox="1"/>
+          <p:nvPr/>
+        </p:nvSpPr>
+        <p:spPr>
+          <a:xfrm>
+            <a:off x="838200" y="5029200"/>
+            <a:ext cx="8001000" cy="1200329"/>
+          </a:xfrm>
+          <a:prstGeom prst="rect">
+            <a:avLst/>
+          </a:prstGeom>
+          <a:noFill/>
+        </p:spPr>
+        <p:txBody>
+          <a:bodyPr wrap="square" rtlCol="0">
+            <a:spAutoFit/>
+          </a:bodyPr>
+          <a:lstStyle/>
+          <a:p>
+            <a:pPr marL="285750" indent="-285750">
+              <a:buFont typeface="Arial" pitchFamily="34" charset="0"/>
+              <a:buChar char="•"/>
+            </a:pPr>
+            <a:r>
+              <a:rPr lang="en-US" dirty="0" smtClean="0">
+                <a:latin typeface="Tw Cen MT Condensed" pitchFamily="34" charset="0"/>
+              </a:rPr>
+              <a:t>The CO2 concentration doesn’t matc</a:t>
+            </a:r>
+            <a:r>
+              <a:rPr lang="en-US" dirty="0" smtClean="0">
+                <a:latin typeface="Tw Cen MT Condensed" pitchFamily="34" charset="0"/>
+              </a:rPr>
+              <a:t>h with the literature as we used a lot of </a:t>
+            </a:r>
+            <a:r>
+              <a:rPr lang="en-US" dirty="0" err="1" smtClean="0">
+                <a:latin typeface="Tw Cen MT Condensed" pitchFamily="34" charset="0"/>
+              </a:rPr>
+              <a:t>assumtions</a:t>
+            </a:r>
+            <a:endParaRPr lang="en-US" dirty="0" smtClean="0">
+              <a:latin typeface="Tw Cen MT Condensed" pitchFamily="34" charset="0"/>
+            </a:endParaRPr>
+          </a:p>
+          <a:p>
+            <a:pPr marL="285750" indent="-285750">
+              <a:buFont typeface="Arial" pitchFamily="34" charset="0"/>
+              <a:buChar char="•"/>
+            </a:pPr>
+            <a:r>
+              <a:rPr lang="en-US" dirty="0" smtClean="0">
+                <a:latin typeface="Tw Cen MT Condensed" pitchFamily="34" charset="0"/>
+              </a:rPr>
+              <a:t>However, as we are doing comparative analysis, this mismatch with the real data distribution  will not highly impact the hypothesis testing. The magnitude of the  CO2 simulation matches the minimum value, means, we can use the simulation procedure with some inaccuracy.</a:t>
+            </a:r>
+            <a:endParaRPr lang="en-US" dirty="0">
+              <a:latin typeface="Tw Cen MT Condensed" pitchFamily="34" charset="0"/>
+            </a:endParaRPr>
+          </a:p>
+        </p:txBody>
+      </p:sp>
     </p:spTree>
     <p:extLst>
       <p:ext uri="{BB962C8B-B14F-4D97-AF65-F5344CB8AC3E}">
-        <p14:creationId xmlns:p14="http://schemas.microsoft.com/office/powerpoint/2010/main" val="3610293343"/>
+        <p14:creationId xmlns:p14="http://schemas.microsoft.com/office/powerpoint/2010/main" val="129600219"/>
       </p:ext>
     </p:extLst>
   </p:cSld>
@@ -6588,7 +5733,7 @@
       </p:sp>
       <p:pic>
         <p:nvPicPr>
-          <p:cNvPr id="1026" name="Picture 2" descr="H:\OneDrive - University of Illinois - Urbana\Fall_2025\IS_597\old_plots\H1.png"/>
+          <p:cNvPr id="3" name="Picture 2" descr="F:\IS_597\2025Fall_projects\H1_plot.png"/>
           <p:cNvPicPr>
             <a:picLocks noChangeAspect="1" noChangeArrowheads="1"/>
           </p:cNvPicPr>
@@ -6609,8 +5754,8 @@
         </p:blipFill>
         <p:spPr bwMode="auto">
           <a:xfrm>
-            <a:off x="762000" y="1524000"/>
-            <a:ext cx="6400800" cy="4572000"/>
+            <a:off x="762000" y="1219200"/>
+            <a:ext cx="6096000" cy="4572000"/>
           </a:xfrm>
           <a:prstGeom prst="rect">
             <a:avLst/>
@@ -6627,6 +5772,44 @@
           </a:extLst>
         </p:spPr>
       </p:pic>
+      <p:sp>
+        <p:nvSpPr>
+          <p:cNvPr id="5" name="TextBox 4"/>
+          <p:cNvSpPr txBox="1"/>
+          <p:nvPr/>
+        </p:nvSpPr>
+        <p:spPr>
+          <a:xfrm>
+            <a:off x="759594" y="5867400"/>
+            <a:ext cx="5638800" cy="646331"/>
+          </a:xfrm>
+          <a:prstGeom prst="rect">
+            <a:avLst/>
+          </a:prstGeom>
+          <a:noFill/>
+        </p:spPr>
+        <p:txBody>
+          <a:bodyPr wrap="square" rtlCol="0">
+            <a:spAutoFit/>
+          </a:bodyPr>
+          <a:lstStyle/>
+          <a:p>
+            <a:pPr marL="285750" indent="-285750">
+              <a:buFont typeface="Arial" pitchFamily="34" charset="0"/>
+              <a:buChar char="•"/>
+            </a:pPr>
+            <a:r>
+              <a:rPr lang="en-US" dirty="0" smtClean="0">
+                <a:latin typeface="Tw Cen MT Condensed" pitchFamily="34" charset="0"/>
+              </a:rPr>
+              <a:t>The Hypothesis1 is True as we can see that increasing the occupancy is decreasing the per capita energy consumption</a:t>
+            </a:r>
+            <a:endParaRPr lang="en-US" dirty="0">
+              <a:latin typeface="Tw Cen MT Condensed" pitchFamily="34" charset="0"/>
+            </a:endParaRPr>
+          </a:p>
+        </p:txBody>
+      </p:sp>
     </p:spTree>
     <p:extLst>
       <p:ext uri="{BB962C8B-B14F-4D97-AF65-F5344CB8AC3E}">
@@ -6716,9 +5899,47 @@
           </a:p>
         </p:txBody>
       </p:sp>
+      <p:sp>
+        <p:nvSpPr>
+          <p:cNvPr id="4" name="TextBox 3"/>
+          <p:cNvSpPr txBox="1"/>
+          <p:nvPr/>
+        </p:nvSpPr>
+        <p:spPr>
+          <a:xfrm>
+            <a:off x="759594" y="5867400"/>
+            <a:ext cx="5638800" cy="646331"/>
+          </a:xfrm>
+          <a:prstGeom prst="rect">
+            <a:avLst/>
+          </a:prstGeom>
+          <a:noFill/>
+        </p:spPr>
+        <p:txBody>
+          <a:bodyPr wrap="square" rtlCol="0">
+            <a:spAutoFit/>
+          </a:bodyPr>
+          <a:lstStyle/>
+          <a:p>
+            <a:pPr marL="285750" indent="-285750">
+              <a:buFont typeface="Arial" pitchFamily="34" charset="0"/>
+              <a:buChar char="•"/>
+            </a:pPr>
+            <a:r>
+              <a:rPr lang="en-US" dirty="0" smtClean="0">
+                <a:latin typeface="Tw Cen MT Condensed" pitchFamily="34" charset="0"/>
+              </a:rPr>
+              <a:t>The Hypothesis 2 is partially True as we can see the occupancy based ventilation reduced energy use </a:t>
+            </a:r>
+            <a:endParaRPr lang="en-US" dirty="0">
+              <a:latin typeface="Tw Cen MT Condensed" pitchFamily="34" charset="0"/>
+            </a:endParaRPr>
+          </a:p>
+        </p:txBody>
+      </p:sp>
       <p:pic>
         <p:nvPicPr>
-          <p:cNvPr id="3074" name="Picture 2" descr="H:\OneDrive - University of Illinois - Urbana\Fall_2025\IS_597\old_plots\H2.png"/>
+          <p:cNvPr id="3074" name="Picture 2" descr="F:\IS_597\2025Fall_projects\H2_plot.png"/>
           <p:cNvPicPr>
             <a:picLocks noChangeAspect="1" noChangeArrowheads="1"/>
           </p:cNvPicPr>
@@ -6739,8 +5960,8 @@
         </p:blipFill>
         <p:spPr bwMode="auto">
           <a:xfrm>
-            <a:off x="914400" y="1600200"/>
-            <a:ext cx="7239000" cy="3016250"/>
+            <a:off x="1066799" y="1220985"/>
+            <a:ext cx="6096001" cy="4572000"/>
           </a:xfrm>
           <a:prstGeom prst="rect">
             <a:avLst/>
@@ -6760,7 +5981,7 @@
     </p:spTree>
     <p:extLst>
       <p:ext uri="{BB962C8B-B14F-4D97-AF65-F5344CB8AC3E}">
-        <p14:creationId xmlns:p14="http://schemas.microsoft.com/office/powerpoint/2010/main" val="3327504252"/>
+        <p14:creationId xmlns:p14="http://schemas.microsoft.com/office/powerpoint/2010/main" val="1748974927"/>
       </p:ext>
     </p:extLst>
   </p:cSld>
@@ -6846,9 +6067,71 @@
           </a:p>
         </p:txBody>
       </p:sp>
+      <p:sp>
+        <p:nvSpPr>
+          <p:cNvPr id="4" name="TextBox 3"/>
+          <p:cNvSpPr txBox="1"/>
+          <p:nvPr/>
+        </p:nvSpPr>
+        <p:spPr>
+          <a:xfrm>
+            <a:off x="609600" y="5562600"/>
+            <a:ext cx="5638800" cy="923330"/>
+          </a:xfrm>
+          <a:prstGeom prst="rect">
+            <a:avLst/>
+          </a:prstGeom>
+          <a:noFill/>
+        </p:spPr>
+        <p:txBody>
+          <a:bodyPr wrap="square" rtlCol="0">
+            <a:spAutoFit/>
+          </a:bodyPr>
+          <a:lstStyle/>
+          <a:p>
+            <a:pPr marL="285750" indent="-285750">
+              <a:buFont typeface="Arial" pitchFamily="34" charset="0"/>
+              <a:buChar char="•"/>
+            </a:pPr>
+            <a:r>
+              <a:rPr lang="en-US" dirty="0" smtClean="0">
+                <a:latin typeface="Tw Cen MT Condensed" pitchFamily="34" charset="0"/>
+              </a:rPr>
+              <a:t>The Hypothesis 2 is partially False, as both of the ventilation strategy doesn’t result in any CO2 </a:t>
+            </a:r>
+            <a:r>
+              <a:rPr lang="en-US" dirty="0" err="1" smtClean="0">
+                <a:latin typeface="Tw Cen MT Condensed" pitchFamily="34" charset="0"/>
+              </a:rPr>
+              <a:t>exceedance</a:t>
+            </a:r>
+            <a:r>
+              <a:rPr lang="en-US" dirty="0" smtClean="0">
+                <a:latin typeface="Tw Cen MT Condensed" pitchFamily="34" charset="0"/>
+              </a:rPr>
+              <a:t> hours. In our hypothesis, we assumed the occupancy based strategy </a:t>
+            </a:r>
+            <a:r>
+              <a:rPr lang="en-US" dirty="0" err="1" smtClean="0">
+                <a:latin typeface="Tw Cen MT Condensed" pitchFamily="34" charset="0"/>
+              </a:rPr>
+              <a:t>wiould</a:t>
+            </a:r>
+            <a:r>
+              <a:rPr lang="en-US" dirty="0" smtClean="0">
+                <a:latin typeface="Tw Cen MT Condensed" pitchFamily="34" charset="0"/>
+              </a:rPr>
+              <a:t> be better.</a:t>
+            </a:r>
+            <a:endParaRPr lang="en-US" dirty="0">
+              <a:latin typeface="Tw Cen MT Condensed" pitchFamily="34" charset="0"/>
+            </a:endParaRPr>
+          </a:p>
+        </p:txBody>
+      </p:sp>
       <p:pic>
         <p:nvPicPr>
-          <p:cNvPr id="4098" name="Picture 2" descr="H:\OneDrive - University of Illinois - Urbana\Fall_2025\IS_597\old_plots\H2-carbon.png"/>
+          <p:cNvPr id="4098" name="Picture 2" descr="F:\IS_597\2025Fall_projects\H2_plot2.png"/>
           <p:cNvPicPr>
             <a:picLocks noChangeAspect="1" noChangeArrowheads="1"/>
           </p:cNvPicPr>
@@ -6869,8 +6152,8 @@
         </p:blipFill>
         <p:spPr bwMode="auto">
           <a:xfrm>
-            <a:off x="800162" y="1447800"/>
-            <a:ext cx="6400800" cy="4572000"/>
+            <a:off x="792480" y="1752600"/>
+            <a:ext cx="5080000" cy="3810000"/>
           </a:xfrm>
           <a:prstGeom prst="rect">
             <a:avLst/>
@@ -6890,7 +6173,7 @@
     </p:spTree>
     <p:extLst>
       <p:ext uri="{BB962C8B-B14F-4D97-AF65-F5344CB8AC3E}">
-        <p14:creationId xmlns:p14="http://schemas.microsoft.com/office/powerpoint/2010/main" val="1748974927"/>
+        <p14:creationId xmlns:p14="http://schemas.microsoft.com/office/powerpoint/2010/main" val="676548832"/>
       </p:ext>
     </p:extLst>
   </p:cSld>
@@ -7462,8 +6745,17 @@
               <a:rPr lang="en-US" dirty="0">
                 <a:latin typeface="Tw Cen MT Condensed" pitchFamily="34" charset="0"/>
               </a:rPr>
-              <a:t>V: room air volume [m³]</a:t>
-            </a:r>
+              <a:t>V: room air volume [m³</a:t>
+            </a:r>
+            <a:r>
+              <a:rPr lang="en-US" dirty="0" smtClean="0">
+                <a:latin typeface="Tw Cen MT Condensed" pitchFamily="34" charset="0"/>
+              </a:rPr>
+              <a:t>] [The volume of the three rooms were given in the reference paper]</a:t>
+            </a:r>
+            <a:endParaRPr lang="en-US" dirty="0">
+              <a:latin typeface="Tw Cen MT Condensed" pitchFamily="34" charset="0"/>
+            </a:endParaRPr>
           </a:p>
           <a:p>
             <a:r>
